--- a/engineering/2017/materials/ppt/demo.pptx
+++ b/engineering/2017/materials/ppt/demo.pptx
@@ -8,7 +8,7 @@
     <p:sldMasterId id="2147483652" r:id="rId7"/>
   </p:sldMasterIdLst>
   <p:notesMasterIdLst>
-    <p:notesMasterId r:id="rId23"/>
+    <p:notesMasterId r:id="rId22"/>
   </p:notesMasterIdLst>
   <p:sldIdLst>
     <p:sldId id="281" r:id="rId8"/>
@@ -23,9 +23,8 @@
     <p:sldId id="398" r:id="rId17"/>
     <p:sldId id="399" r:id="rId18"/>
     <p:sldId id="400" r:id="rId19"/>
-    <p:sldId id="401" r:id="rId20"/>
-    <p:sldId id="264" r:id="rId21"/>
-    <p:sldId id="265" r:id="rId22"/>
+    <p:sldId id="264" r:id="rId20"/>
+    <p:sldId id="265" r:id="rId21"/>
   </p:sldIdLst>
   <p:sldSz cx="12192000" cy="6858000"/>
   <p:notesSz cx="6858000" cy="9144000"/>
@@ -145,7 +144,6 @@
             <p14:sldId id="398"/>
             <p14:sldId id="399"/>
             <p14:sldId id="400"/>
-            <p14:sldId id="401"/>
           </p14:sldIdLst>
         </p14:section>
         <p14:section name="End - FAQ" id="{4609FC15-6DD3-4FCD-B0A4-05C247ADF4C3}">
@@ -257,7 +255,7 @@
             <a:fld id="{97373330-0875-4F54-B846-34A9C5D83194}" type="datetimeFigureOut">
               <a:rPr lang="en-US" smtClean="0"/>
               <a:pPr/>
-              <a:t>7/7/17</a:t>
+              <a:t>2017-08-28</a:t>
             </a:fld>
             <a:endParaRPr lang="en-US"/>
           </a:p>
@@ -664,7 +662,7 @@
           <a:lstStyle/>
           <a:p>
             <a:r>
-              <a:rPr lang="en-US" sz="1200" b="0" i="0" kern="1200" dirty="0" err="1" smtClean="0">
+              <a:rPr lang="en-US" sz="1200" b="0" i="0" kern="1200" dirty="0" err="1">
                 <a:solidFill>
                   <a:schemeClr val="tx1"/>
                 </a:solidFill>
@@ -675,7 +673,7 @@
               </a:rPr>
               <a:t>最原始的AngularJS项目</a:t>
             </a:r>
-            <a:endParaRPr lang="en-US" sz="1200" b="0" i="0" kern="1200" dirty="0" smtClean="0">
+            <a:endParaRPr lang="en-US" sz="1200" b="0" i="0" kern="1200" dirty="0">
               <a:solidFill>
                 <a:schemeClr val="tx1"/>
               </a:solidFill>
@@ -687,7 +685,7 @@
           </a:p>
           <a:p>
             <a:r>
-              <a:rPr lang="en-US" sz="1200" b="0" i="0" kern="1200" dirty="0" err="1" smtClean="0">
+              <a:rPr lang="en-US" sz="1200" b="0" i="0" kern="1200" dirty="0" err="1">
                 <a:solidFill>
                   <a:schemeClr val="tx1"/>
                 </a:solidFill>
@@ -698,7 +696,7 @@
               </a:rPr>
               <a:t>使用Webpack构建的,以CommonJS方式编写的JS项目</a:t>
             </a:r>
-            <a:endParaRPr lang="en-US" sz="1200" b="0" i="0" kern="1200" dirty="0" smtClean="0">
+            <a:endParaRPr lang="en-US" sz="1200" b="0" i="0" kern="1200" dirty="0">
               <a:solidFill>
                 <a:schemeClr val="tx1"/>
               </a:solidFill>
@@ -710,7 +708,7 @@
           </a:p>
           <a:p>
             <a:r>
-              <a:rPr lang="en-US" sz="1200" b="0" i="0" kern="1200" dirty="0" smtClean="0">
+              <a:rPr lang="en-US" sz="1200" b="0" i="0" kern="1200" dirty="0">
                 <a:solidFill>
                   <a:schemeClr val="tx1"/>
                 </a:solidFill>
@@ -724,7 +722,7 @@
           </a:p>
           <a:p>
             <a:r>
-              <a:rPr lang="en-US" sz="1200" b="0" i="0" kern="1200" dirty="0" smtClean="0">
+              <a:rPr lang="en-US" sz="1200" b="0" i="0" kern="1200" dirty="0">
                 <a:solidFill>
                   <a:schemeClr val="tx1"/>
                 </a:solidFill>
@@ -738,7 +736,7 @@
           </a:p>
           <a:p>
             <a:r>
-              <a:rPr lang="en-US" sz="1200" b="0" i="0" kern="1200" dirty="0" smtClean="0">
+              <a:rPr lang="en-US" sz="1200" b="0" i="0" kern="1200" dirty="0">
                 <a:solidFill>
                   <a:schemeClr val="tx1"/>
                 </a:solidFill>
@@ -1007,43 +1005,43 @@
           <a:lstStyle/>
           <a:p>
             <a:r>
-              <a:rPr lang="en-US" dirty="0" smtClean="0"/>
+              <a:rPr lang="en-US" dirty="0"/>
               <a:t>https://</a:t>
             </a:r>
             <a:r>
-              <a:rPr lang="en-US" dirty="0" err="1" smtClean="0"/>
+              <a:rPr lang="en-US" dirty="0" err="1"/>
               <a:t>github.com</a:t>
             </a:r>
             <a:r>
-              <a:rPr lang="en-US" dirty="0" smtClean="0"/>
+              <a:rPr lang="en-US" dirty="0"/>
               <a:t>/Aquariuslt/</a:t>
             </a:r>
             <a:r>
-              <a:rPr lang="en-US" dirty="0" err="1" smtClean="0"/>
+              <a:rPr lang="en-US" dirty="0" err="1"/>
               <a:t>webpack</a:t>
             </a:r>
             <a:r>
-              <a:rPr lang="en-US" dirty="0" smtClean="0"/>
+              <a:rPr lang="en-US" dirty="0"/>
               <a:t>-revolution/tree/master/pure-</a:t>
             </a:r>
             <a:r>
-              <a:rPr lang="en-US" dirty="0" err="1" smtClean="0"/>
+              <a:rPr lang="en-US" dirty="0" err="1"/>
               <a:t>angularjs</a:t>
             </a:r>
             <a:r>
-              <a:rPr lang="en-US" dirty="0" smtClean="0"/>
+              <a:rPr lang="en-US" dirty="0"/>
               <a:t>-project</a:t>
             </a:r>
           </a:p>
           <a:p>
-            <a:endParaRPr lang="en-US" dirty="0" smtClean="0"/>
-          </a:p>
-          <a:p>
-            <a:endParaRPr lang="en-US" dirty="0" smtClean="0"/>
-          </a:p>
-          <a:p>
-            <a:r>
-              <a:rPr lang="zh-CN" altLang="en-US" sz="1200" b="0" i="0" kern="1200" dirty="0" smtClean="0">
+            <a:endParaRPr lang="en-US" dirty="0"/>
+          </a:p>
+          <a:p>
+            <a:endParaRPr lang="en-US" dirty="0"/>
+          </a:p>
+          <a:p>
+            <a:r>
+              <a:rPr lang="zh-CN" altLang="en-US" sz="1200" b="0" i="0" kern="1200" dirty="0">
                 <a:solidFill>
                   <a:schemeClr val="tx1"/>
                 </a:solidFill>
@@ -1055,7 +1053,7 @@
               <a:t>这是一个很原始的</a:t>
             </a:r>
             <a:r>
-              <a:rPr lang="en-US" altLang="zh-CN" sz="1200" b="0" i="0" kern="1200" dirty="0" smtClean="0">
+              <a:rPr lang="en-US" altLang="zh-CN" sz="1200" b="0" i="0" kern="1200" dirty="0">
                 <a:solidFill>
                   <a:schemeClr val="tx1"/>
                 </a:solidFill>
@@ -1067,7 +1065,7 @@
               <a:t>JavaScript</a:t>
             </a:r>
             <a:r>
-              <a:rPr lang="zh-CN" altLang="en-US" sz="1200" b="0" i="0" kern="1200" dirty="0" smtClean="0">
+              <a:rPr lang="zh-CN" altLang="en-US" sz="1200" b="0" i="0" kern="1200" dirty="0">
                 <a:solidFill>
                   <a:schemeClr val="tx1"/>
                 </a:solidFill>
@@ -1079,7 +1077,7 @@
               <a:t>项目</a:t>
             </a:r>
             <a:r>
-              <a:rPr lang="en-US" altLang="zh-CN" sz="1200" b="0" i="0" kern="1200" dirty="0" smtClean="0">
+              <a:rPr lang="en-US" altLang="zh-CN" sz="1200" b="0" i="0" kern="1200" dirty="0">
                 <a:solidFill>
                   <a:schemeClr val="tx1"/>
                 </a:solidFill>
@@ -1091,7 +1089,7 @@
               <a:t>,</a:t>
             </a:r>
             <a:r>
-              <a:rPr lang="zh-CN" altLang="en-US" sz="1200" b="0" i="0" kern="1200" dirty="0" smtClean="0">
+              <a:rPr lang="zh-CN" altLang="en-US" sz="1200" b="0" i="0" kern="1200" dirty="0">
                 <a:solidFill>
                   <a:schemeClr val="tx1"/>
                 </a:solidFill>
@@ -1103,15 +1101,15 @@
               <a:t>通过手动在</a:t>
             </a:r>
             <a:r>
-              <a:rPr lang="en-US" altLang="zh-CN" dirty="0" smtClean="0"/>
+              <a:rPr lang="en-US" altLang="zh-CN" dirty="0"/>
               <a:t>static/</a:t>
             </a:r>
             <a:r>
-              <a:rPr lang="en-US" altLang="zh-CN" dirty="0" err="1" smtClean="0"/>
+              <a:rPr lang="en-US" altLang="zh-CN" dirty="0" err="1"/>
               <a:t>index.html</a:t>
             </a:r>
             <a:r>
-              <a:rPr lang="zh-CN" altLang="en-US" sz="1200" b="0" i="0" kern="1200" dirty="0" smtClean="0">
+              <a:rPr lang="zh-CN" altLang="en-US" sz="1200" b="0" i="0" kern="1200" dirty="0">
                 <a:solidFill>
                   <a:schemeClr val="tx1"/>
                 </a:solidFill>
@@ -1123,7 +1121,7 @@
               <a:t>中添加</a:t>
             </a:r>
             <a:r>
-              <a:rPr lang="en-US" altLang="zh-CN" sz="1200" b="0" i="0" kern="1200" dirty="0" smtClean="0">
+              <a:rPr lang="en-US" altLang="zh-CN" sz="1200" b="0" i="0" kern="1200" dirty="0">
                 <a:solidFill>
                   <a:schemeClr val="tx1"/>
                 </a:solidFill>
@@ -1135,7 +1133,7 @@
               <a:t>JS,CSS</a:t>
             </a:r>
             <a:r>
-              <a:rPr lang="zh-CN" altLang="en-US" sz="1200" b="0" i="0" kern="1200" dirty="0" smtClean="0">
+              <a:rPr lang="zh-CN" altLang="en-US" sz="1200" b="0" i="0" kern="1200" dirty="0">
                 <a:solidFill>
                   <a:schemeClr val="tx1"/>
                 </a:solidFill>
@@ -1147,7 +1145,7 @@
               <a:t>文件的引用</a:t>
             </a:r>
             <a:r>
-              <a:rPr lang="en-US" altLang="zh-CN" sz="1200" b="0" i="0" kern="1200" dirty="0" smtClean="0">
+              <a:rPr lang="en-US" altLang="zh-CN" sz="1200" b="0" i="0" kern="1200" dirty="0">
                 <a:solidFill>
                   <a:schemeClr val="tx1"/>
                 </a:solidFill>
@@ -1159,7 +1157,7 @@
               <a:t>,</a:t>
             </a:r>
             <a:r>
-              <a:rPr lang="zh-CN" altLang="en-US" sz="1200" b="0" i="0" kern="1200" dirty="0" smtClean="0">
+              <a:rPr lang="zh-CN" altLang="en-US" sz="1200" b="0" i="0" kern="1200" dirty="0">
                 <a:solidFill>
                   <a:schemeClr val="tx1"/>
                 </a:solidFill>
@@ -1171,11 +1169,11 @@
               <a:t>接着使用</a:t>
             </a:r>
             <a:r>
-              <a:rPr lang="en-US" altLang="zh-CN" dirty="0" smtClean="0"/>
+              <a:rPr lang="en-US" altLang="zh-CN" dirty="0"/>
               <a:t>express</a:t>
             </a:r>
             <a:r>
-              <a:rPr lang="zh-CN" altLang="en-US" sz="1200" b="0" i="0" kern="1200" dirty="0" smtClean="0">
+              <a:rPr lang="zh-CN" altLang="en-US" sz="1200" b="0" i="0" kern="1200" dirty="0">
                 <a:solidFill>
                   <a:schemeClr val="tx1"/>
                 </a:solidFill>
@@ -1187,11 +1185,11 @@
               <a:t>将</a:t>
             </a:r>
             <a:r>
-              <a:rPr lang="en-US" altLang="zh-CN" dirty="0" smtClean="0"/>
+              <a:rPr lang="en-US" altLang="zh-CN" dirty="0"/>
               <a:t>static</a:t>
             </a:r>
             <a:r>
-              <a:rPr lang="zh-CN" altLang="en-US" sz="1200" b="0" i="0" kern="1200" dirty="0" smtClean="0">
+              <a:rPr lang="zh-CN" altLang="en-US" sz="1200" b="0" i="0" kern="1200" dirty="0">
                 <a:solidFill>
                   <a:schemeClr val="tx1"/>
                 </a:solidFill>
@@ -1203,7 +1201,7 @@
               <a:t>这个文件夹下的内容当成静态的前端资源文件提供出来</a:t>
             </a:r>
             <a:r>
-              <a:rPr lang="en-US" altLang="zh-CN" sz="1200" b="0" i="0" kern="1200" dirty="0" smtClean="0">
+              <a:rPr lang="en-US" altLang="zh-CN" sz="1200" b="0" i="0" kern="1200" dirty="0">
                 <a:solidFill>
                   <a:schemeClr val="tx1"/>
                 </a:solidFill>
@@ -1300,7 +1298,7 @@
           <a:lstStyle/>
           <a:p>
             <a:r>
-              <a:rPr lang="zh-CN" altLang="en-US" sz="1200" b="0" i="0" kern="1200" dirty="0" smtClean="0">
+              <a:rPr lang="zh-CN" altLang="en-US" sz="1200" b="0" i="0" kern="1200" dirty="0">
                 <a:solidFill>
                   <a:schemeClr val="tx1"/>
                 </a:solidFill>
@@ -1312,7 +1310,7 @@
               <a:t>在了解了前面一个课程之后</a:t>
             </a:r>
             <a:r>
-              <a:rPr lang="en-US" altLang="zh-CN" sz="1200" b="0" i="0" kern="1200" dirty="0" smtClean="0">
+              <a:rPr lang="en-US" altLang="zh-CN" sz="1200" b="0" i="0" kern="1200" dirty="0">
                 <a:solidFill>
                   <a:schemeClr val="tx1"/>
                 </a:solidFill>
@@ -1324,7 +1322,7 @@
               <a:t>,</a:t>
             </a:r>
             <a:r>
-              <a:rPr lang="zh-CN" altLang="en-US" sz="1200" b="0" i="0" kern="1200" dirty="0" smtClean="0">
+              <a:rPr lang="zh-CN" altLang="en-US" sz="1200" b="0" i="0" kern="1200" dirty="0">
                 <a:solidFill>
                   <a:schemeClr val="tx1"/>
                 </a:solidFill>
@@ -1336,7 +1334,7 @@
               <a:t>我们开始接触最基础的一个利用</a:t>
             </a:r>
             <a:r>
-              <a:rPr lang="en-US" altLang="zh-CN" sz="1200" b="0" i="0" kern="1200" dirty="0" err="1" smtClean="0">
+              <a:rPr lang="en-US" altLang="zh-CN" sz="1200" b="0" i="0" kern="1200" dirty="0" err="1">
                 <a:solidFill>
                   <a:schemeClr val="tx1"/>
                 </a:solidFill>
@@ -1348,7 +1346,7 @@
               <a:t>Webpack</a:t>
             </a:r>
             <a:r>
-              <a:rPr lang="zh-CN" altLang="en-US" sz="1200" b="0" i="0" kern="1200" dirty="0" smtClean="0">
+              <a:rPr lang="zh-CN" altLang="en-US" sz="1200" b="0" i="0" kern="1200" dirty="0">
                 <a:solidFill>
                   <a:schemeClr val="tx1"/>
                 </a:solidFill>
@@ -1360,7 +1358,7 @@
               <a:t>打包的</a:t>
             </a:r>
             <a:r>
-              <a:rPr lang="en-US" altLang="zh-CN" sz="1200" b="0" i="0" kern="1200" dirty="0" err="1" smtClean="0">
+              <a:rPr lang="en-US" altLang="zh-CN" sz="1200" b="0" i="0" kern="1200" dirty="0" err="1">
                 <a:solidFill>
                   <a:schemeClr val="tx1"/>
                 </a:solidFill>
@@ -1372,7 +1370,7 @@
               <a:t>CommonJS</a:t>
             </a:r>
             <a:r>
-              <a:rPr lang="zh-CN" altLang="en-US" sz="1200" b="0" i="0" kern="1200" dirty="0" smtClean="0">
+              <a:rPr lang="zh-CN" altLang="en-US" sz="1200" b="0" i="0" kern="1200" dirty="0">
                 <a:solidFill>
                   <a:schemeClr val="tx1"/>
                 </a:solidFill>
@@ -1384,7 +1382,7 @@
               <a:t>的项目</a:t>
             </a:r>
             <a:r>
-              <a:rPr lang="en-US" altLang="zh-CN" sz="1200" b="0" i="0" kern="1200" dirty="0" smtClean="0">
+              <a:rPr lang="en-US" altLang="zh-CN" sz="1200" b="0" i="0" kern="1200" dirty="0">
                 <a:solidFill>
                   <a:schemeClr val="tx1"/>
                 </a:solidFill>
@@ -1398,7 +1396,7 @@
           </a:p>
           <a:p>
             <a:r>
-              <a:rPr lang="zh-CN" altLang="en-US" sz="1200" b="0" i="0" kern="1200" dirty="0" smtClean="0">
+              <a:rPr lang="zh-CN" altLang="en-US" sz="1200" b="0" i="0" kern="1200" dirty="0">
                 <a:solidFill>
                   <a:schemeClr val="tx1"/>
                 </a:solidFill>
@@ -1410,7 +1408,7 @@
               <a:t>该样例的目的有两个</a:t>
             </a:r>
             <a:r>
-              <a:rPr lang="en-US" altLang="zh-CN" sz="1200" b="0" i="0" kern="1200" dirty="0" smtClean="0">
+              <a:rPr lang="en-US" altLang="zh-CN" sz="1200" b="0" i="0" kern="1200" dirty="0">
                 <a:solidFill>
                   <a:schemeClr val="tx1"/>
                 </a:solidFill>
@@ -1424,7 +1422,7 @@
           </a:p>
           <a:p>
             <a:r>
-              <a:rPr lang="zh-CN" altLang="en-US" sz="1200" b="0" i="0" kern="1200" dirty="0" smtClean="0">
+              <a:rPr lang="zh-CN" altLang="en-US" sz="1200" b="0" i="0" kern="1200" dirty="0">
                 <a:solidFill>
                   <a:schemeClr val="tx1"/>
                 </a:solidFill>
@@ -1436,7 +1434,7 @@
               <a:t>其一是</a:t>
             </a:r>
             <a:r>
-              <a:rPr lang="en-US" altLang="zh-CN" sz="1200" b="0" i="0" kern="1200" dirty="0" err="1" smtClean="0">
+              <a:rPr lang="en-US" altLang="zh-CN" sz="1200" b="0" i="0" kern="1200" dirty="0" err="1">
                 <a:solidFill>
                   <a:schemeClr val="tx1"/>
                 </a:solidFill>
@@ -1448,7 +1446,7 @@
               <a:t>Webpack</a:t>
             </a:r>
             <a:r>
-              <a:rPr lang="zh-CN" altLang="en-US" sz="1200" b="0" i="0" kern="1200" dirty="0" smtClean="0">
+              <a:rPr lang="zh-CN" altLang="en-US" sz="1200" b="0" i="0" kern="1200" dirty="0">
                 <a:solidFill>
                   <a:schemeClr val="tx1"/>
                 </a:solidFill>
@@ -1460,7 +1458,7 @@
               <a:t>的简单</a:t>
             </a:r>
             <a:r>
-              <a:rPr lang="en-US" altLang="zh-CN" sz="1200" b="0" i="0" kern="1200" dirty="0" smtClean="0">
+              <a:rPr lang="en-US" altLang="zh-CN" sz="1200" b="0" i="0" kern="1200" dirty="0">
                 <a:solidFill>
                   <a:schemeClr val="tx1"/>
                 </a:solidFill>
@@ -1474,7 +1472,7 @@
           </a:p>
           <a:p>
             <a:r>
-              <a:rPr lang="zh-CN" altLang="en-US" sz="1200" b="0" i="0" kern="1200" dirty="0" smtClean="0">
+              <a:rPr lang="zh-CN" altLang="en-US" sz="1200" b="0" i="0" kern="1200" dirty="0">
                 <a:solidFill>
                   <a:schemeClr val="tx1"/>
                 </a:solidFill>
@@ -1486,7 +1484,7 @@
               <a:t>其二是使用</a:t>
             </a:r>
             <a:r>
-              <a:rPr lang="en-US" altLang="zh-CN" sz="1200" b="0" i="0" kern="1200" dirty="0" err="1" smtClean="0">
+              <a:rPr lang="en-US" altLang="zh-CN" sz="1200" b="0" i="0" kern="1200" dirty="0" err="1">
                 <a:solidFill>
                   <a:schemeClr val="tx1"/>
                 </a:solidFill>
@@ -1498,7 +1496,7 @@
               <a:t>Node.js</a:t>
             </a:r>
             <a:r>
-              <a:rPr lang="zh-CN" altLang="en-US" sz="1200" b="0" i="0" kern="1200" dirty="0" smtClean="0">
+              <a:rPr lang="zh-CN" altLang="en-US" sz="1200" b="0" i="0" kern="1200" dirty="0">
                 <a:solidFill>
                   <a:schemeClr val="tx1"/>
                 </a:solidFill>
@@ -1510,7 +1508,7 @@
               <a:t>的</a:t>
             </a:r>
             <a:r>
-              <a:rPr lang="en-US" altLang="zh-CN" sz="1200" b="0" i="0" kern="1200" dirty="0" err="1" smtClean="0">
+              <a:rPr lang="en-US" altLang="zh-CN" sz="1200" b="0" i="0" kern="1200" dirty="0" err="1">
                 <a:solidFill>
                   <a:schemeClr val="tx1"/>
                 </a:solidFill>
@@ -1522,7 +1520,7 @@
               <a:t>CommonJS</a:t>
             </a:r>
             <a:r>
-              <a:rPr lang="zh-CN" altLang="en-US" sz="1200" b="0" i="0" kern="1200" dirty="0" smtClean="0">
+              <a:rPr lang="zh-CN" altLang="en-US" sz="1200" b="0" i="0" kern="1200" dirty="0">
                 <a:solidFill>
                   <a:schemeClr val="tx1"/>
                 </a:solidFill>
@@ -1534,7 +1532,7 @@
               <a:t>语法进行</a:t>
             </a:r>
             <a:r>
-              <a:rPr lang="en-US" altLang="zh-CN" sz="1200" b="0" i="0" kern="1200" dirty="0" smtClean="0">
+              <a:rPr lang="en-US" altLang="zh-CN" sz="1200" b="0" i="0" kern="1200" dirty="0">
                 <a:solidFill>
                   <a:schemeClr val="tx1"/>
                 </a:solidFill>
@@ -1546,7 +1544,7 @@
               <a:t>JavaScript</a:t>
             </a:r>
             <a:r>
-              <a:rPr lang="zh-CN" altLang="en-US" sz="1200" b="0" i="0" kern="1200" dirty="0" smtClean="0">
+              <a:rPr lang="zh-CN" altLang="en-US" sz="1200" b="0" i="0" kern="1200" dirty="0">
                 <a:solidFill>
                   <a:schemeClr val="tx1"/>
                 </a:solidFill>
@@ -1558,7 +1556,7 @@
               <a:t>模块的导入导出</a:t>
             </a:r>
             <a:r>
-              <a:rPr lang="en-US" altLang="zh-CN" sz="1200" b="0" i="0" kern="1200" dirty="0" smtClean="0">
+              <a:rPr lang="en-US" altLang="zh-CN" sz="1200" b="0" i="0" kern="1200" dirty="0">
                 <a:solidFill>
                   <a:schemeClr val="tx1"/>
                 </a:solidFill>
@@ -1572,7 +1570,7 @@
           </a:p>
           <a:p>
             <a:r>
-              <a:rPr lang="zh-CN" altLang="en-US" sz="1200" b="0" i="0" kern="1200" dirty="0" smtClean="0">
+              <a:rPr lang="zh-CN" altLang="en-US" sz="1200" b="0" i="0" kern="1200" dirty="0">
                 <a:solidFill>
                   <a:schemeClr val="tx1"/>
                 </a:solidFill>
@@ -1584,7 +1582,7 @@
               <a:t>说明流程是 先运行 后解释 先运行后解释</a:t>
             </a:r>
             <a:r>
-              <a:rPr lang="en-US" altLang="zh-CN" sz="1200" b="0" i="0" kern="1200" dirty="0" smtClean="0">
+              <a:rPr lang="en-US" altLang="zh-CN" sz="1200" b="0" i="0" kern="1200" dirty="0">
                 <a:solidFill>
                   <a:schemeClr val="tx1"/>
                 </a:solidFill>
@@ -1683,7 +1681,7 @@
           <a:lstStyle/>
           <a:p>
             <a:r>
-              <a:rPr lang="zh-CN" altLang="en-US" sz="1200" b="0" i="0" kern="1200" dirty="0" smtClean="0">
+              <a:rPr lang="zh-CN" altLang="en-US" sz="1200" b="0" i="0" kern="1200" dirty="0">
                 <a:solidFill>
                   <a:schemeClr val="tx1"/>
                 </a:solidFill>
@@ -1695,7 +1693,7 @@
               <a:t>在了解完前面两个项目的代码之后</a:t>
             </a:r>
             <a:r>
-              <a:rPr lang="en-US" altLang="zh-CN" sz="1200" b="0" i="0" kern="1200" dirty="0" smtClean="0">
+              <a:rPr lang="en-US" altLang="zh-CN" sz="1200" b="0" i="0" kern="1200" dirty="0">
                 <a:solidFill>
                   <a:schemeClr val="tx1"/>
                 </a:solidFill>
@@ -1707,7 +1705,7 @@
               <a:t>. </a:t>
             </a:r>
             <a:r>
-              <a:rPr lang="zh-CN" altLang="en-US" sz="1200" b="0" i="0" kern="1200" dirty="0" smtClean="0">
+              <a:rPr lang="zh-CN" altLang="en-US" sz="1200" b="0" i="0" kern="1200" dirty="0">
                 <a:solidFill>
                   <a:schemeClr val="tx1"/>
                 </a:solidFill>
@@ -1719,7 +1717,7 @@
               <a:t>你见识到了</a:t>
             </a:r>
             <a:r>
-              <a:rPr lang="en-US" altLang="zh-CN" sz="1200" b="0" i="0" kern="1200" dirty="0" smtClean="0">
+              <a:rPr lang="en-US" altLang="zh-CN" sz="1200" b="0" i="0" kern="1200" dirty="0">
                 <a:solidFill>
                   <a:schemeClr val="tx1"/>
                 </a:solidFill>
@@ -1733,7 +1731,7 @@
           </a:p>
           <a:p>
             <a:r>
-              <a:rPr lang="zh-CN" altLang="en-US" sz="1200" b="0" i="0" kern="1200" dirty="0" smtClean="0">
+              <a:rPr lang="zh-CN" altLang="en-US" sz="1200" b="0" i="0" kern="1200" dirty="0">
                 <a:solidFill>
                   <a:schemeClr val="tx1"/>
                 </a:solidFill>
@@ -1745,7 +1743,7 @@
               <a:t>一个最基础的可运行的</a:t>
             </a:r>
             <a:r>
-              <a:rPr lang="en-US" altLang="zh-CN" sz="1200" b="0" i="0" kern="1200" dirty="0" err="1" smtClean="0">
+              <a:rPr lang="en-US" altLang="zh-CN" sz="1200" b="0" i="0" kern="1200" dirty="0" err="1">
                 <a:solidFill>
                   <a:schemeClr val="tx1"/>
                 </a:solidFill>
@@ -1757,7 +1755,7 @@
               <a:t>angularjs</a:t>
             </a:r>
             <a:r>
-              <a:rPr lang="zh-CN" altLang="en-US" sz="1200" b="0" i="0" kern="1200" dirty="0" smtClean="0">
+              <a:rPr lang="zh-CN" altLang="en-US" sz="1200" b="0" i="0" kern="1200" dirty="0">
                 <a:solidFill>
                   <a:schemeClr val="tx1"/>
                 </a:solidFill>
@@ -1771,7 +1769,7 @@
           </a:p>
           <a:p>
             <a:r>
-              <a:rPr lang="zh-CN" altLang="en-US" sz="1200" b="0" i="0" kern="1200" dirty="0" smtClean="0">
+              <a:rPr lang="zh-CN" altLang="en-US" sz="1200" b="0" i="0" kern="1200" dirty="0">
                 <a:solidFill>
                   <a:schemeClr val="tx1"/>
                 </a:solidFill>
@@ -1783,7 +1781,7 @@
               <a:t>一个最基础的用</a:t>
             </a:r>
             <a:r>
-              <a:rPr lang="en-US" altLang="zh-CN" sz="1200" b="0" i="0" kern="1200" dirty="0" err="1" smtClean="0">
+              <a:rPr lang="en-US" altLang="zh-CN" sz="1200" b="0" i="0" kern="1200" dirty="0" err="1">
                 <a:solidFill>
                   <a:schemeClr val="tx1"/>
                 </a:solidFill>
@@ -1795,7 +1793,7 @@
               <a:t>webpack</a:t>
             </a:r>
             <a:r>
-              <a:rPr lang="zh-CN" altLang="en-US" sz="1200" b="0" i="0" kern="1200" dirty="0" smtClean="0">
+              <a:rPr lang="zh-CN" altLang="en-US" sz="1200" b="0" i="0" kern="1200" dirty="0">
                 <a:solidFill>
                   <a:schemeClr val="tx1"/>
                 </a:solidFill>
@@ -1807,7 +1805,7 @@
               <a:t>构建的</a:t>
             </a:r>
             <a:r>
-              <a:rPr lang="en-US" altLang="zh-CN" sz="1200" b="0" i="0" kern="1200" dirty="0" err="1" smtClean="0">
+              <a:rPr lang="en-US" altLang="zh-CN" sz="1200" b="0" i="0" kern="1200" dirty="0" err="1">
                 <a:solidFill>
                   <a:schemeClr val="tx1"/>
                 </a:solidFill>
@@ -1819,7 +1817,7 @@
               <a:t>js</a:t>
             </a:r>
             <a:r>
-              <a:rPr lang="zh-CN" altLang="en-US" sz="1200" b="0" i="0" kern="1200" dirty="0" smtClean="0">
+              <a:rPr lang="zh-CN" altLang="en-US" sz="1200" b="0" i="0" kern="1200" dirty="0">
                 <a:solidFill>
                   <a:schemeClr val="tx1"/>
                 </a:solidFill>
@@ -1833,7 +1831,7 @@
           </a:p>
           <a:p>
             <a:r>
-              <a:rPr lang="zh-CN" altLang="en-US" sz="1200" b="0" i="0" kern="1200" dirty="0" smtClean="0">
+              <a:rPr lang="zh-CN" altLang="en-US" sz="1200" b="0" i="0" kern="1200" dirty="0">
                 <a:solidFill>
                   <a:schemeClr val="tx1"/>
                 </a:solidFill>
@@ -1845,7 +1843,7 @@
               <a:t>那么如何结合两者</a:t>
             </a:r>
             <a:r>
-              <a:rPr lang="en-US" altLang="zh-CN" sz="1200" b="0" i="0" kern="1200" dirty="0" smtClean="0">
+              <a:rPr lang="en-US" altLang="zh-CN" sz="1200" b="0" i="0" kern="1200" dirty="0">
                 <a:solidFill>
                   <a:schemeClr val="tx1"/>
                 </a:solidFill>
@@ -1857,7 +1855,7 @@
               <a:t>,</a:t>
             </a:r>
             <a:r>
-              <a:rPr lang="zh-CN" altLang="en-US" sz="1200" b="0" i="0" kern="1200" dirty="0" smtClean="0">
+              <a:rPr lang="zh-CN" altLang="en-US" sz="1200" b="0" i="0" kern="1200" dirty="0">
                 <a:solidFill>
                   <a:schemeClr val="tx1"/>
                 </a:solidFill>
@@ -1869,7 +1867,7 @@
               <a:t>变成一个 用</a:t>
             </a:r>
             <a:r>
-              <a:rPr lang="en-US" altLang="zh-CN" sz="1200" b="0" i="0" kern="1200" dirty="0" err="1" smtClean="0">
+              <a:rPr lang="en-US" altLang="zh-CN" sz="1200" b="0" i="0" kern="1200" dirty="0" err="1">
                 <a:solidFill>
                   <a:schemeClr val="tx1"/>
                 </a:solidFill>
@@ -1881,7 +1879,7 @@
               <a:t>webpack</a:t>
             </a:r>
             <a:r>
-              <a:rPr lang="zh-CN" altLang="en-US" sz="1200" b="0" i="0" kern="1200" dirty="0" smtClean="0">
+              <a:rPr lang="zh-CN" altLang="en-US" sz="1200" b="0" i="0" kern="1200" dirty="0">
                 <a:solidFill>
                   <a:schemeClr val="tx1"/>
                 </a:solidFill>
@@ -1893,7 +1891,7 @@
               <a:t>构建的</a:t>
             </a:r>
             <a:r>
-              <a:rPr lang="en-US" altLang="zh-CN" sz="1200" b="0" i="0" kern="1200" dirty="0" err="1" smtClean="0">
+              <a:rPr lang="en-US" altLang="zh-CN" sz="1200" b="0" i="0" kern="1200" dirty="0" err="1">
                 <a:solidFill>
                   <a:schemeClr val="tx1"/>
                 </a:solidFill>
@@ -1905,7 +1903,7 @@
               <a:t>angularjs</a:t>
             </a:r>
             <a:r>
-              <a:rPr lang="zh-CN" altLang="en-US" sz="1200" b="0" i="0" kern="1200" dirty="0" smtClean="0">
+              <a:rPr lang="zh-CN" altLang="en-US" sz="1200" b="0" i="0" kern="1200" dirty="0">
                 <a:solidFill>
                   <a:schemeClr val="tx1"/>
                 </a:solidFill>
@@ -1917,7 +1915,7 @@
               <a:t>项目呢</a:t>
             </a:r>
             <a:r>
-              <a:rPr lang="en-US" altLang="zh-CN" sz="1200" b="0" i="0" kern="1200" dirty="0" smtClean="0">
+              <a:rPr lang="en-US" altLang="zh-CN" sz="1200" b="0" i="0" kern="1200" dirty="0">
                 <a:solidFill>
                   <a:schemeClr val="tx1"/>
                 </a:solidFill>
@@ -1931,7 +1929,7 @@
           </a:p>
           <a:p>
             <a:r>
-              <a:rPr lang="en-US" altLang="zh-CN" sz="1200" b="0" i="0" kern="1200" dirty="0" smtClean="0">
+              <a:rPr lang="en-US" altLang="zh-CN" sz="1200" b="0" i="0" kern="1200" dirty="0">
                 <a:solidFill>
                   <a:schemeClr val="tx1"/>
                 </a:solidFill>
@@ -1943,7 +1941,7 @@
               <a:t>simple-</a:t>
             </a:r>
             <a:r>
-              <a:rPr lang="en-US" altLang="zh-CN" sz="1200" b="0" i="0" kern="1200" dirty="0" err="1" smtClean="0">
+              <a:rPr lang="en-US" altLang="zh-CN" sz="1200" b="0" i="0" kern="1200" dirty="0" err="1">
                 <a:solidFill>
                   <a:schemeClr val="tx1"/>
                 </a:solidFill>
@@ -1955,7 +1953,7 @@
               <a:t>webpack</a:t>
             </a:r>
             <a:r>
-              <a:rPr lang="en-US" altLang="zh-CN" sz="1200" b="0" i="0" kern="1200" dirty="0" smtClean="0">
+              <a:rPr lang="en-US" altLang="zh-CN" sz="1200" b="0" i="0" kern="1200" dirty="0">
                 <a:solidFill>
                   <a:schemeClr val="tx1"/>
                 </a:solidFill>
@@ -1967,7 +1965,7 @@
               <a:t>-</a:t>
             </a:r>
             <a:r>
-              <a:rPr lang="en-US" altLang="zh-CN" sz="1200" b="0" i="0" kern="1200" dirty="0" err="1" smtClean="0">
+              <a:rPr lang="en-US" altLang="zh-CN" sz="1200" b="0" i="0" kern="1200" dirty="0" err="1">
                 <a:solidFill>
                   <a:schemeClr val="tx1"/>
                 </a:solidFill>
@@ -1979,7 +1977,7 @@
               <a:t>angularjs</a:t>
             </a:r>
             <a:r>
-              <a:rPr lang="en-US" altLang="zh-CN" sz="1200" b="0" i="0" kern="1200" dirty="0" smtClean="0">
+              <a:rPr lang="en-US" altLang="zh-CN" sz="1200" b="0" i="0" kern="1200" dirty="0">
                 <a:solidFill>
                   <a:schemeClr val="tx1"/>
                 </a:solidFill>
@@ -1991,7 +1989,7 @@
               <a:t> </a:t>
             </a:r>
             <a:r>
-              <a:rPr lang="zh-CN" altLang="en-US" sz="1200" b="0" i="0" kern="1200" dirty="0" smtClean="0">
+              <a:rPr lang="zh-CN" altLang="en-US" sz="1200" b="0" i="0" kern="1200" dirty="0">
                 <a:solidFill>
                   <a:schemeClr val="tx1"/>
                 </a:solidFill>
@@ -2003,7 +2001,7 @@
               <a:t>该项目的内容</a:t>
             </a:r>
             <a:r>
-              <a:rPr lang="en-US" altLang="zh-CN" sz="1200" b="0" i="0" kern="1200" dirty="0" smtClean="0">
+              <a:rPr lang="en-US" altLang="zh-CN" sz="1200" b="0" i="0" kern="1200" dirty="0">
                 <a:solidFill>
                   <a:schemeClr val="tx1"/>
                 </a:solidFill>
@@ -2015,7 +2013,7 @@
               <a:t>,</a:t>
             </a:r>
             <a:r>
-              <a:rPr lang="zh-CN" altLang="en-US" sz="1200" b="0" i="0" kern="1200" dirty="0" smtClean="0">
+              <a:rPr lang="zh-CN" altLang="en-US" sz="1200" b="0" i="0" kern="1200" dirty="0">
                 <a:solidFill>
                   <a:schemeClr val="tx1"/>
                 </a:solidFill>
@@ -2027,7 +2025,7 @@
               <a:t>即使一个结合第一和第二个项目代码样例而成的</a:t>
             </a:r>
             <a:r>
-              <a:rPr lang="en-US" altLang="zh-CN" sz="1200" b="0" i="0" kern="1200" dirty="0" smtClean="0">
+              <a:rPr lang="en-US" altLang="zh-CN" sz="1200" b="0" i="0" kern="1200" dirty="0">
                 <a:solidFill>
                   <a:schemeClr val="tx1"/>
                 </a:solidFill>
@@ -2039,7 +2037,7 @@
               <a:t>,</a:t>
             </a:r>
             <a:r>
-              <a:rPr lang="zh-CN" altLang="en-US" sz="1200" b="0" i="0" kern="1200" dirty="0" smtClean="0">
+              <a:rPr lang="zh-CN" altLang="en-US" sz="1200" b="0" i="0" kern="1200" dirty="0">
                 <a:solidFill>
                   <a:schemeClr val="tx1"/>
                 </a:solidFill>
@@ -2051,7 +2049,7 @@
               <a:t>用</a:t>
             </a:r>
             <a:r>
-              <a:rPr lang="en-US" altLang="zh-CN" sz="1200" b="0" i="0" kern="1200" dirty="0" err="1" smtClean="0">
+              <a:rPr lang="en-US" altLang="zh-CN" sz="1200" b="0" i="0" kern="1200" dirty="0" err="1">
                 <a:solidFill>
                   <a:schemeClr val="tx1"/>
                 </a:solidFill>
@@ -2063,7 +2061,7 @@
               <a:t>webpack</a:t>
             </a:r>
             <a:r>
-              <a:rPr lang="zh-CN" altLang="en-US" sz="1200" b="0" i="0" kern="1200" dirty="0" smtClean="0">
+              <a:rPr lang="zh-CN" altLang="en-US" sz="1200" b="0" i="0" kern="1200" dirty="0">
                 <a:solidFill>
                   <a:schemeClr val="tx1"/>
                 </a:solidFill>
@@ -2075,7 +2073,7 @@
               <a:t>构建的</a:t>
             </a:r>
             <a:r>
-              <a:rPr lang="en-US" altLang="zh-CN" sz="1200" b="0" i="0" kern="1200" dirty="0" err="1" smtClean="0">
+              <a:rPr lang="en-US" altLang="zh-CN" sz="1200" b="0" i="0" kern="1200" dirty="0" err="1">
                 <a:solidFill>
                   <a:schemeClr val="tx1"/>
                 </a:solidFill>
@@ -2087,7 +2085,7 @@
               <a:t>angularjs</a:t>
             </a:r>
             <a:r>
-              <a:rPr lang="zh-CN" altLang="en-US" sz="1200" b="0" i="0" kern="1200" dirty="0" smtClean="0">
+              <a:rPr lang="zh-CN" altLang="en-US" sz="1200" b="0" i="0" kern="1200" dirty="0">
                 <a:solidFill>
                   <a:schemeClr val="tx1"/>
                 </a:solidFill>
@@ -2099,7 +2097,7 @@
               <a:t>项目样例</a:t>
             </a:r>
             <a:r>
-              <a:rPr lang="en-US" altLang="zh-CN" sz="1200" b="0" i="0" kern="1200" dirty="0" smtClean="0">
+              <a:rPr lang="en-US" altLang="zh-CN" sz="1200" b="0" i="0" kern="1200" dirty="0">
                 <a:solidFill>
                   <a:schemeClr val="tx1"/>
                 </a:solidFill>
@@ -2113,7 +2111,7 @@
           </a:p>
           <a:p>
             <a:r>
-              <a:rPr lang="zh-CN" altLang="en-US" sz="1200" b="0" i="0" kern="1200" dirty="0" smtClean="0">
+              <a:rPr lang="zh-CN" altLang="en-US" sz="1200" b="0" i="0" kern="1200" dirty="0">
                 <a:solidFill>
                   <a:schemeClr val="tx1"/>
                 </a:solidFill>
@@ -2125,7 +2123,7 @@
               <a:t>在展现出来的效果看</a:t>
             </a:r>
             <a:r>
-              <a:rPr lang="en-US" altLang="zh-CN" sz="1200" b="0" i="0" kern="1200" dirty="0" smtClean="0">
+              <a:rPr lang="en-US" altLang="zh-CN" sz="1200" b="0" i="0" kern="1200" dirty="0">
                 <a:solidFill>
                   <a:schemeClr val="tx1"/>
                 </a:solidFill>
@@ -2137,7 +2135,7 @@
               <a:t>,</a:t>
             </a:r>
             <a:r>
-              <a:rPr lang="zh-CN" altLang="en-US" sz="1200" b="0" i="0" kern="1200" dirty="0" smtClean="0">
+              <a:rPr lang="zh-CN" altLang="en-US" sz="1200" b="0" i="0" kern="1200" dirty="0">
                 <a:solidFill>
                   <a:schemeClr val="tx1"/>
                 </a:solidFill>
@@ -2149,7 +2147,7 @@
               <a:t>跟</a:t>
             </a:r>
             <a:r>
-              <a:rPr lang="en-US" altLang="zh-CN" sz="1200" b="0" i="0" kern="1200" dirty="0" smtClean="0">
+              <a:rPr lang="en-US" altLang="zh-CN" sz="1200" b="0" i="0" kern="1200" dirty="0">
                 <a:solidFill>
                   <a:schemeClr val="tx1"/>
                 </a:solidFill>
@@ -2161,7 +2159,7 @@
               <a:t>pure-</a:t>
             </a:r>
             <a:r>
-              <a:rPr lang="en-US" altLang="zh-CN" sz="1200" b="0" i="0" kern="1200" dirty="0" err="1" smtClean="0">
+              <a:rPr lang="en-US" altLang="zh-CN" sz="1200" b="0" i="0" kern="1200" dirty="0" err="1">
                 <a:solidFill>
                   <a:schemeClr val="tx1"/>
                 </a:solidFill>
@@ -2173,7 +2171,7 @@
               <a:t>angularjs</a:t>
             </a:r>
             <a:r>
-              <a:rPr lang="en-US" altLang="zh-CN" sz="1200" b="0" i="0" kern="1200" dirty="0" smtClean="0">
+              <a:rPr lang="en-US" altLang="zh-CN" sz="1200" b="0" i="0" kern="1200" dirty="0">
                 <a:solidFill>
                   <a:schemeClr val="tx1"/>
                 </a:solidFill>
@@ -2185,7 +2183,7 @@
               <a:t>-project</a:t>
             </a:r>
             <a:r>
-              <a:rPr lang="zh-CN" altLang="en-US" sz="1200" b="0" i="0" kern="1200" dirty="0" smtClean="0">
+              <a:rPr lang="zh-CN" altLang="en-US" sz="1200" b="0" i="0" kern="1200" dirty="0">
                 <a:solidFill>
                   <a:schemeClr val="tx1"/>
                 </a:solidFill>
@@ -2197,7 +2195,7 @@
               <a:t>的效果是一样的</a:t>
             </a:r>
             <a:r>
-              <a:rPr lang="en-US" altLang="zh-CN" sz="1200" b="0" i="0" kern="1200" dirty="0" smtClean="0">
+              <a:rPr lang="en-US" altLang="zh-CN" sz="1200" b="0" i="0" kern="1200" dirty="0">
                 <a:solidFill>
                   <a:schemeClr val="tx1"/>
                 </a:solidFill>
@@ -2211,7 +2209,7 @@
           </a:p>
           <a:p>
             <a:r>
-              <a:rPr lang="zh-CN" altLang="en-US" sz="1200" kern="1200" dirty="0" smtClean="0">
+              <a:rPr lang="zh-CN" altLang="en-US" sz="1200" kern="1200" dirty="0">
                 <a:solidFill>
                   <a:schemeClr val="tx1"/>
                 </a:solidFill>
@@ -2223,7 +2221,7 @@
               <a:t>该项目样例在尽量不修改大量配置的情况下</a:t>
             </a:r>
             <a:r>
-              <a:rPr lang="en-US" altLang="zh-CN" sz="1200" kern="1200" dirty="0" smtClean="0">
+              <a:rPr lang="en-US" altLang="zh-CN" sz="1200" kern="1200" dirty="0">
                 <a:solidFill>
                   <a:schemeClr val="tx1"/>
                 </a:solidFill>
@@ -2235,7 +2233,7 @@
               <a:t>,</a:t>
             </a:r>
             <a:r>
-              <a:rPr lang="zh-CN" altLang="en-US" sz="1200" kern="1200" dirty="0" smtClean="0">
+              <a:rPr lang="zh-CN" altLang="en-US" sz="1200" kern="1200" dirty="0">
                 <a:solidFill>
                   <a:schemeClr val="tx1"/>
                 </a:solidFill>
@@ -2247,7 +2245,7 @@
               <a:t>实现了所需要的功能 实际上</a:t>
             </a:r>
             <a:r>
-              <a:rPr lang="en-US" altLang="zh-CN" sz="1200" kern="1200" dirty="0" smtClean="0">
+              <a:rPr lang="en-US" altLang="zh-CN" sz="1200" kern="1200" dirty="0">
                 <a:solidFill>
                   <a:schemeClr val="tx1"/>
                 </a:solidFill>
@@ -2259,7 +2257,7 @@
               <a:t>,</a:t>
             </a:r>
             <a:r>
-              <a:rPr lang="zh-CN" altLang="en-US" sz="1200" kern="1200" dirty="0" smtClean="0">
+              <a:rPr lang="zh-CN" altLang="en-US" sz="1200" kern="1200" dirty="0">
                 <a:solidFill>
                   <a:schemeClr val="tx1"/>
                 </a:solidFill>
@@ -2271,7 +2269,7 @@
               <a:t>该项目的配置</a:t>
             </a:r>
             <a:r>
-              <a:rPr lang="en-US" altLang="zh-CN" sz="1200" kern="1200" dirty="0" smtClean="0">
+              <a:rPr lang="en-US" altLang="zh-CN" sz="1200" kern="1200" dirty="0">
                 <a:solidFill>
                   <a:schemeClr val="tx1"/>
                 </a:solidFill>
@@ -2283,7 +2281,7 @@
               <a:t>,</a:t>
             </a:r>
             <a:r>
-              <a:rPr lang="zh-CN" altLang="en-US" sz="1200" kern="1200" dirty="0" smtClean="0">
+              <a:rPr lang="zh-CN" altLang="en-US" sz="1200" kern="1200" dirty="0">
                 <a:solidFill>
                   <a:schemeClr val="tx1"/>
                 </a:solidFill>
@@ -2295,7 +2293,7 @@
               <a:t>结构 还离 功能齐全的 可配置化的实际项目的结构 有稍大的差距</a:t>
             </a:r>
             <a:r>
-              <a:rPr lang="en-US" altLang="zh-CN" sz="1200" kern="1200" dirty="0" smtClean="0">
+              <a:rPr lang="en-US" altLang="zh-CN" sz="1200" kern="1200" dirty="0">
                 <a:solidFill>
                   <a:schemeClr val="tx1"/>
                 </a:solidFill>
@@ -2307,7 +2305,7 @@
               <a:t>.</a:t>
             </a:r>
             <a:r>
-              <a:rPr lang="zh-CN" altLang="en-US" sz="1200" kern="1200" dirty="0" smtClean="0">
+              <a:rPr lang="zh-CN" altLang="en-US" sz="1200" kern="1200" dirty="0">
                 <a:solidFill>
                   <a:schemeClr val="tx1"/>
                 </a:solidFill>
@@ -2319,7 +2317,7 @@
               <a:t>还不能作为一个正式的手脚架使用</a:t>
             </a:r>
             <a:r>
-              <a:rPr lang="en-US" altLang="zh-CN" sz="1200" kern="1200" dirty="0" smtClean="0">
+              <a:rPr lang="en-US" altLang="zh-CN" sz="1200" kern="1200" dirty="0">
                 <a:solidFill>
                   <a:schemeClr val="tx1"/>
                 </a:solidFill>
@@ -2331,7 +2329,7 @@
               <a:t>. </a:t>
             </a:r>
             <a:r>
-              <a:rPr lang="zh-CN" altLang="en-US" sz="1200" kern="1200" dirty="0" smtClean="0">
+              <a:rPr lang="zh-CN" altLang="en-US" sz="1200" kern="1200" dirty="0">
                 <a:solidFill>
                   <a:schemeClr val="tx1"/>
                 </a:solidFill>
@@ -2343,7 +2341,7 @@
               <a:t>不过作为学习项目演变过程的样例</a:t>
             </a:r>
             <a:r>
-              <a:rPr lang="en-US" altLang="zh-CN" sz="1200" kern="1200" dirty="0" smtClean="0">
+              <a:rPr lang="en-US" altLang="zh-CN" sz="1200" kern="1200" dirty="0">
                 <a:solidFill>
                   <a:schemeClr val="tx1"/>
                 </a:solidFill>
@@ -2355,7 +2353,7 @@
               <a:t>,</a:t>
             </a:r>
             <a:r>
-              <a:rPr lang="zh-CN" altLang="en-US" sz="1200" kern="1200" dirty="0" smtClean="0">
+              <a:rPr lang="zh-CN" altLang="en-US" sz="1200" kern="1200" dirty="0">
                 <a:solidFill>
                   <a:schemeClr val="tx1"/>
                 </a:solidFill>
@@ -2367,7 +2365,7 @@
               <a:t>希望同学们能够从中汲取到一些关于</a:t>
             </a:r>
             <a:r>
-              <a:rPr lang="en-US" altLang="zh-CN" sz="1200" kern="1200" dirty="0" err="1" smtClean="0">
+              <a:rPr lang="en-US" altLang="zh-CN" sz="1200" kern="1200" dirty="0" err="1">
                 <a:solidFill>
                   <a:schemeClr val="tx1"/>
                 </a:solidFill>
@@ -2379,7 +2377,7 @@
               <a:t>webpack</a:t>
             </a:r>
             <a:r>
-              <a:rPr lang="zh-CN" altLang="en-US" sz="1200" kern="1200" dirty="0" smtClean="0">
+              <a:rPr lang="zh-CN" altLang="en-US" sz="1200" kern="1200" dirty="0">
                 <a:solidFill>
                   <a:schemeClr val="tx1"/>
                 </a:solidFill>
@@ -2391,7 +2389,7 @@
               <a:t>的知识</a:t>
             </a:r>
             <a:r>
-              <a:rPr lang="en-US" altLang="zh-CN" sz="1200" kern="1200" dirty="0" smtClean="0">
+              <a:rPr lang="en-US" altLang="zh-CN" sz="1200" kern="1200" dirty="0">
                 <a:solidFill>
                   <a:schemeClr val="tx1"/>
                 </a:solidFill>
@@ -2490,7 +2488,7 @@
           <a:lstStyle/>
           <a:p>
             <a:r>
-              <a:rPr lang="zh-CN" altLang="en-US" sz="1200" b="0" i="0" kern="1200" dirty="0" smtClean="0">
+              <a:rPr lang="zh-CN" altLang="en-US" sz="1200" b="0" i="0" kern="1200" dirty="0">
                 <a:solidFill>
                   <a:schemeClr val="tx1"/>
                 </a:solidFill>
@@ -2502,7 +2500,7 @@
               <a:t>通过基本的前端项目工程化的介绍</a:t>
             </a:r>
             <a:r>
-              <a:rPr lang="en-US" altLang="zh-CN" sz="1200" b="0" i="0" kern="1200" dirty="0" smtClean="0">
+              <a:rPr lang="en-US" altLang="zh-CN" sz="1200" b="0" i="0" kern="1200" dirty="0">
                 <a:solidFill>
                   <a:schemeClr val="tx1"/>
                 </a:solidFill>
@@ -2514,7 +2512,7 @@
               <a:t>, </a:t>
             </a:r>
             <a:r>
-              <a:rPr lang="zh-CN" altLang="en-US" sz="1200" b="0" i="0" kern="1200" dirty="0" smtClean="0">
+              <a:rPr lang="zh-CN" altLang="en-US" sz="1200" b="0" i="0" kern="1200" dirty="0">
                 <a:solidFill>
                   <a:schemeClr val="tx1"/>
                 </a:solidFill>
@@ -2526,7 +2524,7 @@
               <a:t>我们大概了解了</a:t>
             </a:r>
             <a:r>
-              <a:rPr lang="en-US" altLang="zh-CN" sz="1200" b="0" i="0" kern="1200" dirty="0" smtClean="0">
+              <a:rPr lang="en-US" altLang="zh-CN" sz="1200" b="0" i="0" kern="1200" dirty="0">
                 <a:solidFill>
                   <a:schemeClr val="tx1"/>
                 </a:solidFill>
@@ -2540,7 +2538,7 @@
           </a:p>
           <a:p>
             <a:r>
-              <a:rPr lang="en-US" altLang="zh-CN" sz="1200" b="0" i="0" kern="1200" dirty="0" err="1" smtClean="0">
+              <a:rPr lang="en-US" altLang="zh-CN" sz="1200" b="0" i="0" kern="1200" dirty="0" err="1">
                 <a:solidFill>
                   <a:schemeClr val="tx1"/>
                 </a:solidFill>
@@ -2552,7 +2550,7 @@
               <a:t>Webpack</a:t>
             </a:r>
             <a:r>
-              <a:rPr lang="zh-CN" altLang="en-US" sz="1200" b="0" i="0" kern="1200" dirty="0" smtClean="0">
+              <a:rPr lang="zh-CN" altLang="en-US" sz="1200" b="0" i="0" kern="1200" dirty="0">
                 <a:solidFill>
                   <a:schemeClr val="tx1"/>
                 </a:solidFill>
@@ -2566,7 +2564,7 @@
           </a:p>
           <a:p>
             <a:r>
-              <a:rPr lang="en-US" altLang="zh-CN" sz="1200" b="0" i="0" kern="1200" dirty="0" smtClean="0">
+              <a:rPr lang="en-US" altLang="zh-CN" sz="1200" b="0" i="0" kern="1200" dirty="0">
                 <a:solidFill>
                   <a:schemeClr val="tx1"/>
                 </a:solidFill>
@@ -2578,7 +2576,7 @@
               <a:t>Gulp</a:t>
             </a:r>
             <a:r>
-              <a:rPr lang="zh-CN" altLang="en-US" sz="1200" b="0" i="0" kern="1200" dirty="0" smtClean="0">
+              <a:rPr lang="zh-CN" altLang="en-US" sz="1200" b="0" i="0" kern="1200" dirty="0">
                 <a:solidFill>
                   <a:schemeClr val="tx1"/>
                 </a:solidFill>
@@ -2592,7 +2590,7 @@
           </a:p>
           <a:p>
             <a:r>
-              <a:rPr lang="zh-CN" altLang="en-US" sz="1200" b="0" i="0" kern="1200" dirty="0" smtClean="0">
+              <a:rPr lang="zh-CN" altLang="en-US" sz="1200" b="0" i="0" kern="1200" dirty="0">
                 <a:solidFill>
                   <a:schemeClr val="tx1"/>
                 </a:solidFill>
@@ -2604,7 +2602,7 @@
               <a:t>通过之前的几个样例代码</a:t>
             </a:r>
             <a:r>
-              <a:rPr lang="en-US" altLang="zh-CN" sz="1200" b="0" i="0" kern="1200" dirty="0" smtClean="0">
+              <a:rPr lang="en-US" altLang="zh-CN" sz="1200" b="0" i="0" kern="1200" dirty="0">
                 <a:solidFill>
                   <a:schemeClr val="tx1"/>
                 </a:solidFill>
@@ -2616,7 +2614,7 @@
               <a:t>, </a:t>
             </a:r>
             <a:r>
-              <a:rPr lang="zh-CN" altLang="en-US" sz="1200" b="0" i="0" kern="1200" dirty="0" smtClean="0">
+              <a:rPr lang="zh-CN" altLang="en-US" sz="1200" b="0" i="0" kern="1200" dirty="0">
                 <a:solidFill>
                   <a:schemeClr val="tx1"/>
                 </a:solidFill>
@@ -2628,7 +2626,7 @@
               <a:t>我们大概了解了</a:t>
             </a:r>
             <a:r>
-              <a:rPr lang="en-US" altLang="zh-CN" sz="1200" b="0" i="0" kern="1200" dirty="0" smtClean="0">
+              <a:rPr lang="en-US" altLang="zh-CN" sz="1200" b="0" i="0" kern="1200" dirty="0">
                 <a:solidFill>
                   <a:schemeClr val="tx1"/>
                 </a:solidFill>
@@ -2642,7 +2640,7 @@
           </a:p>
           <a:p>
             <a:r>
-              <a:rPr lang="en-US" altLang="zh-CN" sz="1200" b="0" i="0" kern="1200" dirty="0" err="1" smtClean="0">
+              <a:rPr lang="en-US" altLang="zh-CN" sz="1200" b="0" i="0" kern="1200" dirty="0" err="1">
                 <a:solidFill>
                   <a:schemeClr val="tx1"/>
                 </a:solidFill>
@@ -2654,7 +2652,7 @@
               <a:t>Webpack</a:t>
             </a:r>
             <a:r>
-              <a:rPr lang="zh-CN" altLang="en-US" sz="1200" b="0" i="0" kern="1200" dirty="0" smtClean="0">
+              <a:rPr lang="zh-CN" altLang="en-US" sz="1200" b="0" i="0" kern="1200" dirty="0">
                 <a:solidFill>
                   <a:schemeClr val="tx1"/>
                 </a:solidFill>
@@ -2668,7 +2666,7 @@
           </a:p>
           <a:p>
             <a:r>
-              <a:rPr lang="en-US" altLang="zh-CN" sz="1200" b="0" i="0" kern="1200" dirty="0" err="1" smtClean="0">
+              <a:rPr lang="en-US" altLang="zh-CN" sz="1200" b="0" i="0" kern="1200" dirty="0" err="1">
                 <a:solidFill>
                   <a:schemeClr val="tx1"/>
                 </a:solidFill>
@@ -2680,7 +2678,7 @@
               <a:t>Webpack</a:t>
             </a:r>
             <a:r>
-              <a:rPr lang="zh-CN" altLang="en-US" sz="1200" b="0" i="0" kern="1200" dirty="0" smtClean="0">
+              <a:rPr lang="zh-CN" altLang="en-US" sz="1200" b="0" i="0" kern="1200" dirty="0">
                 <a:solidFill>
                   <a:schemeClr val="tx1"/>
                 </a:solidFill>
@@ -2694,7 +2692,7 @@
           </a:p>
           <a:p>
             <a:r>
-              <a:rPr lang="zh-CN" altLang="en-US" sz="1200" b="0" i="0" kern="1200" dirty="0" smtClean="0">
+              <a:rPr lang="zh-CN" altLang="en-US" sz="1200" b="0" i="0" kern="1200" dirty="0">
                 <a:solidFill>
                   <a:schemeClr val="tx1"/>
                 </a:solidFill>
@@ -2706,7 +2704,7 @@
               <a:t>使用</a:t>
             </a:r>
             <a:r>
-              <a:rPr lang="en-US" altLang="zh-CN" sz="1200" b="0" i="0" kern="1200" dirty="0" err="1" smtClean="0">
+              <a:rPr lang="en-US" altLang="zh-CN" sz="1200" b="0" i="0" kern="1200" dirty="0" err="1">
                 <a:solidFill>
                   <a:schemeClr val="tx1"/>
                 </a:solidFill>
@@ -2718,7 +2716,7 @@
               <a:t>CommonJS</a:t>
             </a:r>
             <a:r>
-              <a:rPr lang="en-US" altLang="zh-CN" sz="1200" b="0" i="0" kern="1200" dirty="0" smtClean="0">
+              <a:rPr lang="en-US" altLang="zh-CN" sz="1200" b="0" i="0" kern="1200" dirty="0">
                 <a:solidFill>
                   <a:schemeClr val="tx1"/>
                 </a:solidFill>
@@ -2730,7 +2728,7 @@
               <a:t> </a:t>
             </a:r>
             <a:r>
-              <a:rPr lang="zh-CN" altLang="en-US" sz="1200" b="0" i="0" kern="1200" dirty="0" smtClean="0">
+              <a:rPr lang="zh-CN" altLang="en-US" sz="1200" b="0" i="0" kern="1200" dirty="0">
                 <a:solidFill>
                   <a:schemeClr val="tx1"/>
                 </a:solidFill>
@@ -2742,7 +2740,7 @@
               <a:t>编写原来的</a:t>
             </a:r>
             <a:r>
-              <a:rPr lang="en-US" altLang="zh-CN" sz="1200" b="0" i="0" kern="1200" dirty="0" smtClean="0">
+              <a:rPr lang="en-US" altLang="zh-CN" sz="1200" b="0" i="0" kern="1200" dirty="0">
                 <a:solidFill>
                   <a:schemeClr val="tx1"/>
                 </a:solidFill>
@@ -2754,7 +2752,7 @@
               <a:t>AngularJS</a:t>
             </a:r>
             <a:r>
-              <a:rPr lang="zh-CN" altLang="en-US" sz="1200" b="0" i="0" kern="1200" dirty="0" smtClean="0">
+              <a:rPr lang="zh-CN" altLang="en-US" sz="1200" b="0" i="0" kern="1200" dirty="0">
                 <a:solidFill>
                   <a:schemeClr val="tx1"/>
                 </a:solidFill>
@@ -2768,7 +2766,7 @@
           </a:p>
           <a:p>
             <a:r>
-              <a:rPr lang="zh-CN" altLang="en-US" sz="1200" b="0" i="0" kern="1200" dirty="0" smtClean="0">
+              <a:rPr lang="zh-CN" altLang="en-US" sz="1200" b="0" i="0" kern="1200" dirty="0">
                 <a:solidFill>
                   <a:schemeClr val="tx1"/>
                 </a:solidFill>
@@ -2780,7 +2778,7 @@
               <a:t>请注意回顾到里面样例代码的演变形式</a:t>
             </a:r>
             <a:r>
-              <a:rPr lang="en-US" altLang="zh-CN" sz="1200" b="0" i="0" kern="1200" dirty="0" smtClean="0">
+              <a:rPr lang="en-US" altLang="zh-CN" sz="1200" b="0" i="0" kern="1200" dirty="0">
                 <a:solidFill>
                   <a:schemeClr val="tx1"/>
                 </a:solidFill>
@@ -2792,7 +2790,7 @@
               <a:t>, </a:t>
             </a:r>
             <a:r>
-              <a:rPr lang="zh-CN" altLang="en-US" sz="1200" b="0" i="0" kern="1200" dirty="0" smtClean="0">
+              <a:rPr lang="zh-CN" altLang="en-US" sz="1200" b="0" i="0" kern="1200" dirty="0">
                 <a:solidFill>
                   <a:schemeClr val="tx1"/>
                 </a:solidFill>
@@ -2804,7 +2802,7 @@
               <a:t>因为这一章节</a:t>
             </a:r>
             <a:r>
-              <a:rPr lang="en-US" altLang="zh-CN" sz="1200" b="0" i="0" kern="1200" dirty="0" smtClean="0">
+              <a:rPr lang="en-US" altLang="zh-CN" sz="1200" b="0" i="0" kern="1200" dirty="0">
                 <a:solidFill>
                   <a:schemeClr val="tx1"/>
                 </a:solidFill>
@@ -2816,7 +2814,7 @@
               <a:t>,</a:t>
             </a:r>
             <a:r>
-              <a:rPr lang="zh-CN" altLang="en-US" sz="1200" b="0" i="0" kern="1200" dirty="0" smtClean="0">
+              <a:rPr lang="zh-CN" altLang="en-US" sz="1200" b="0" i="0" kern="1200" dirty="0">
                 <a:solidFill>
                   <a:schemeClr val="tx1"/>
                 </a:solidFill>
@@ -2828,7 +2826,7 @@
               <a:t>主要的改动是引入</a:t>
             </a:r>
             <a:r>
-              <a:rPr lang="en-US" altLang="zh-CN" sz="1200" b="0" i="0" kern="1200" dirty="0" smtClean="0">
+              <a:rPr lang="en-US" altLang="zh-CN" sz="1200" b="0" i="0" kern="1200" dirty="0">
                 <a:solidFill>
                   <a:schemeClr val="tx1"/>
                 </a:solidFill>
@@ -2840,7 +2838,7 @@
               <a:t>gulp</a:t>
             </a:r>
             <a:r>
-              <a:rPr lang="zh-CN" altLang="en-US" sz="1200" b="0" i="0" kern="1200" dirty="0" smtClean="0">
+              <a:rPr lang="zh-CN" altLang="en-US" sz="1200" b="0" i="0" kern="1200" dirty="0">
                 <a:solidFill>
                   <a:schemeClr val="tx1"/>
                 </a:solidFill>
@@ -2852,7 +2850,7 @@
               <a:t>来使得项目构建流程化</a:t>
             </a:r>
             <a:r>
-              <a:rPr lang="en-US" altLang="zh-CN" sz="1200" b="0" i="0" kern="1200" dirty="0" smtClean="0">
+              <a:rPr lang="en-US" altLang="zh-CN" sz="1200" b="0" i="0" kern="1200" dirty="0">
                 <a:solidFill>
                   <a:schemeClr val="tx1"/>
                 </a:solidFill>
@@ -2951,7 +2949,7 @@
           <a:lstStyle/>
           <a:p>
             <a:r>
-              <a:rPr lang="zh-CN" altLang="en-US" sz="1200" b="0" i="0" kern="1200" dirty="0" smtClean="0">
+              <a:rPr lang="zh-CN" altLang="en-US" sz="1200" b="0" i="0" kern="1200" dirty="0">
                 <a:solidFill>
                   <a:schemeClr val="tx1"/>
                 </a:solidFill>
@@ -2963,7 +2961,7 @@
               <a:t>通过上一节样例的解析</a:t>
             </a:r>
             <a:r>
-              <a:rPr lang="en-US" altLang="zh-CN" sz="1200" b="0" i="0" kern="1200" dirty="0" smtClean="0">
+              <a:rPr lang="en-US" altLang="zh-CN" sz="1200" b="0" i="0" kern="1200" dirty="0">
                 <a:solidFill>
                   <a:schemeClr val="tx1"/>
                 </a:solidFill>
@@ -2975,7 +2973,7 @@
               <a:t>,</a:t>
             </a:r>
             <a:r>
-              <a:rPr lang="zh-CN" altLang="en-US" sz="1200" b="0" i="0" kern="1200" dirty="0" smtClean="0">
+              <a:rPr lang="zh-CN" altLang="en-US" sz="1200" b="0" i="0" kern="1200" dirty="0">
                 <a:solidFill>
                   <a:schemeClr val="tx1"/>
                 </a:solidFill>
@@ -2987,7 +2985,7 @@
               <a:t>我们了解到了一个基本的</a:t>
             </a:r>
             <a:r>
-              <a:rPr lang="en-US" altLang="zh-CN" sz="1200" b="0" i="0" kern="1200" dirty="0" err="1" smtClean="0">
+              <a:rPr lang="en-US" altLang="zh-CN" sz="1200" b="0" i="0" kern="1200" dirty="0" err="1">
                 <a:solidFill>
                   <a:schemeClr val="tx1"/>
                 </a:solidFill>
@@ -2999,7 +2997,7 @@
               <a:t>webpack+angularjs+gulp</a:t>
             </a:r>
             <a:r>
-              <a:rPr lang="zh-CN" altLang="en-US" sz="1200" b="0" i="0" kern="1200" dirty="0" smtClean="0">
+              <a:rPr lang="zh-CN" altLang="en-US" sz="1200" b="0" i="0" kern="1200" dirty="0">
                 <a:solidFill>
                   <a:schemeClr val="tx1"/>
                 </a:solidFill>
@@ -3011,7 +3009,7 @@
               <a:t>结合的</a:t>
             </a:r>
             <a:r>
-              <a:rPr lang="en-US" altLang="zh-CN" sz="1200" b="0" i="0" kern="1200" dirty="0" smtClean="0">
+              <a:rPr lang="en-US" altLang="zh-CN" sz="1200" b="0" i="0" kern="1200" dirty="0">
                 <a:solidFill>
                   <a:schemeClr val="tx1"/>
                 </a:solidFill>
@@ -3023,7 +3021,7 @@
               <a:t>,</a:t>
             </a:r>
             <a:r>
-              <a:rPr lang="zh-CN" altLang="en-US" sz="1200" b="0" i="0" kern="1200" dirty="0" smtClean="0">
+              <a:rPr lang="zh-CN" altLang="en-US" sz="1200" b="0" i="0" kern="1200" dirty="0">
                 <a:solidFill>
                   <a:schemeClr val="tx1"/>
                 </a:solidFill>
@@ -3035,7 +3033,7 @@
               <a:t>稍有眉目的工程代码</a:t>
             </a:r>
             <a:r>
-              <a:rPr lang="en-US" altLang="zh-CN" sz="1200" b="0" i="0" kern="1200" dirty="0" smtClean="0">
+              <a:rPr lang="en-US" altLang="zh-CN" sz="1200" b="0" i="0" kern="1200" dirty="0">
                 <a:solidFill>
                   <a:schemeClr val="tx1"/>
                 </a:solidFill>
@@ -3049,7 +3047,7 @@
           </a:p>
           <a:p>
             <a:r>
-              <a:rPr lang="zh-CN" altLang="en-US" sz="1200" b="0" i="0" kern="1200" dirty="0" smtClean="0">
+              <a:rPr lang="zh-CN" altLang="en-US" sz="1200" b="0" i="0" kern="1200" dirty="0">
                 <a:solidFill>
                   <a:schemeClr val="tx1"/>
                 </a:solidFill>
@@ -3061,7 +3059,7 @@
               <a:t>但是要应用到实际项目中</a:t>
             </a:r>
             <a:r>
-              <a:rPr lang="en-US" altLang="zh-CN" sz="1200" b="0" i="0" kern="1200" dirty="0" smtClean="0">
+              <a:rPr lang="en-US" altLang="zh-CN" sz="1200" b="0" i="0" kern="1200" dirty="0">
                 <a:solidFill>
                   <a:schemeClr val="tx1"/>
                 </a:solidFill>
@@ -3073,7 +3071,7 @@
               <a:t>,</a:t>
             </a:r>
             <a:r>
-              <a:rPr lang="zh-CN" altLang="en-US" sz="1200" b="0" i="0" kern="1200" dirty="0" smtClean="0">
+              <a:rPr lang="zh-CN" altLang="en-US" sz="1200" b="0" i="0" kern="1200" dirty="0">
                 <a:solidFill>
                   <a:schemeClr val="tx1"/>
                 </a:solidFill>
@@ -3085,7 +3083,7 @@
               <a:t>还有很多明显的问题需要解决</a:t>
             </a:r>
             <a:r>
-              <a:rPr lang="en-US" altLang="zh-CN" sz="1200" b="0" i="0" kern="1200" dirty="0" smtClean="0">
+              <a:rPr lang="en-US" altLang="zh-CN" sz="1200" b="0" i="0" kern="1200" dirty="0">
                 <a:solidFill>
                   <a:schemeClr val="tx1"/>
                 </a:solidFill>
@@ -3097,7 +3095,7 @@
               <a:t>,</a:t>
             </a:r>
             <a:r>
-              <a:rPr lang="zh-CN" altLang="en-US" sz="1200" b="0" i="0" kern="1200" dirty="0" smtClean="0">
+              <a:rPr lang="zh-CN" altLang="en-US" sz="1200" b="0" i="0" kern="1200" dirty="0">
                 <a:solidFill>
                   <a:schemeClr val="tx1"/>
                 </a:solidFill>
@@ -3109,7 +3107,7 @@
               <a:t>包括但不限于</a:t>
             </a:r>
             <a:r>
-              <a:rPr lang="en-US" altLang="zh-CN" sz="1200" b="0" i="0" kern="1200" dirty="0" smtClean="0">
+              <a:rPr lang="en-US" altLang="zh-CN" sz="1200" b="0" i="0" kern="1200" dirty="0">
                 <a:solidFill>
                   <a:schemeClr val="tx1"/>
                 </a:solidFill>
@@ -3123,7 +3121,7 @@
           </a:p>
           <a:p>
             <a:r>
-              <a:rPr lang="zh-CN" altLang="en-US" sz="1200" b="0" i="0" kern="1200" dirty="0" smtClean="0">
+              <a:rPr lang="zh-CN" altLang="en-US" sz="1200" b="0" i="0" kern="1200" dirty="0">
                 <a:solidFill>
                   <a:schemeClr val="tx1"/>
                 </a:solidFill>
@@ -3135,7 +3133,7 @@
               <a:t>通用部分</a:t>
             </a:r>
             <a:r>
-              <a:rPr lang="en-US" altLang="zh-CN" sz="1200" b="0" i="0" kern="1200" dirty="0" smtClean="0">
+              <a:rPr lang="en-US" altLang="zh-CN" sz="1200" b="0" i="0" kern="1200" dirty="0">
                 <a:solidFill>
                   <a:schemeClr val="tx1"/>
                 </a:solidFill>
@@ -3149,7 +3147,7 @@
           </a:p>
           <a:p>
             <a:r>
-              <a:rPr lang="en-US" altLang="zh-CN" sz="1200" b="0" i="0" kern="1200" dirty="0" err="1" smtClean="0">
+              <a:rPr lang="en-US" altLang="zh-CN" sz="1200" b="0" i="0" kern="1200" dirty="0" err="1">
                 <a:solidFill>
                   <a:schemeClr val="tx1"/>
                 </a:solidFill>
@@ -3161,7 +3159,7 @@
               <a:t>CSS,Fonts</a:t>
             </a:r>
             <a:r>
-              <a:rPr lang="zh-CN" altLang="en-US" sz="1200" b="0" i="0" kern="1200" dirty="0" smtClean="0">
+              <a:rPr lang="zh-CN" altLang="en-US" sz="1200" b="0" i="0" kern="1200" dirty="0">
                 <a:solidFill>
                   <a:schemeClr val="tx1"/>
                 </a:solidFill>
@@ -3173,7 +3171,7 @@
               <a:t>等资源文件如何进行打包</a:t>
             </a:r>
             <a:r>
-              <a:rPr lang="en-US" altLang="zh-CN" sz="1200" b="0" i="0" kern="1200" dirty="0" smtClean="0">
+              <a:rPr lang="en-US" altLang="zh-CN" sz="1200" b="0" i="0" kern="1200" dirty="0">
                 <a:solidFill>
                   <a:schemeClr val="tx1"/>
                 </a:solidFill>
@@ -3187,7 +3185,7 @@
           </a:p>
           <a:p>
             <a:r>
-              <a:rPr lang="en-US" altLang="zh-CN" sz="1200" b="0" i="0" kern="1200" dirty="0" smtClean="0">
+              <a:rPr lang="en-US" altLang="zh-CN" sz="1200" b="0" i="0" kern="1200" dirty="0">
                 <a:solidFill>
                   <a:schemeClr val="tx1"/>
                 </a:solidFill>
@@ -3199,7 +3197,7 @@
               <a:t>Server</a:t>
             </a:r>
             <a:r>
-              <a:rPr lang="zh-CN" altLang="en-US" sz="1200" b="0" i="0" kern="1200" dirty="0" smtClean="0">
+              <a:rPr lang="zh-CN" altLang="en-US" sz="1200" b="0" i="0" kern="1200" dirty="0">
                 <a:solidFill>
                   <a:schemeClr val="tx1"/>
                 </a:solidFill>
@@ -3211,7 +3209,7 @@
               <a:t>代码不是</a:t>
             </a:r>
             <a:r>
-              <a:rPr lang="en-US" altLang="zh-CN" sz="1200" b="0" i="0" kern="1200" dirty="0" err="1" smtClean="0">
+              <a:rPr lang="en-US" altLang="zh-CN" sz="1200" b="0" i="0" kern="1200" dirty="0" err="1">
                 <a:solidFill>
                   <a:schemeClr val="tx1"/>
                 </a:solidFill>
@@ -3223,7 +3221,7 @@
               <a:t>Node.js</a:t>
             </a:r>
             <a:r>
-              <a:rPr lang="zh-CN" altLang="en-US" sz="1200" b="0" i="0" kern="1200" dirty="0" smtClean="0">
+              <a:rPr lang="zh-CN" altLang="en-US" sz="1200" b="0" i="0" kern="1200" dirty="0">
                 <a:solidFill>
                   <a:schemeClr val="tx1"/>
                 </a:solidFill>
@@ -3235,7 +3233,7 @@
               <a:t>应用</a:t>
             </a:r>
             <a:r>
-              <a:rPr lang="en-US" altLang="zh-CN" sz="1200" b="0" i="0" kern="1200" dirty="0" smtClean="0">
+              <a:rPr lang="en-US" altLang="zh-CN" sz="1200" b="0" i="0" kern="1200" dirty="0">
                 <a:solidFill>
                   <a:schemeClr val="tx1"/>
                 </a:solidFill>
@@ -3247,7 +3245,7 @@
               <a:t>,</a:t>
             </a:r>
             <a:r>
-              <a:rPr lang="zh-CN" altLang="en-US" sz="1200" b="0" i="0" kern="1200" dirty="0" smtClean="0">
+              <a:rPr lang="zh-CN" altLang="en-US" sz="1200" b="0" i="0" kern="1200" dirty="0">
                 <a:solidFill>
                   <a:schemeClr val="tx1"/>
                 </a:solidFill>
@@ -3259,7 +3257,7 @@
               <a:t>如何与其他类型的后端项目结合在一起吗</a:t>
             </a:r>
             <a:r>
-              <a:rPr lang="en-US" altLang="zh-CN" sz="1200" b="0" i="0" kern="1200" dirty="0" smtClean="0">
+              <a:rPr lang="en-US" altLang="zh-CN" sz="1200" b="0" i="0" kern="1200" dirty="0">
                 <a:solidFill>
                   <a:schemeClr val="tx1"/>
                 </a:solidFill>
@@ -3273,7 +3271,7 @@
           </a:p>
           <a:p>
             <a:r>
-              <a:rPr lang="en-US" altLang="zh-CN" sz="1200" b="0" i="0" kern="1200" dirty="0" smtClean="0">
+              <a:rPr lang="en-US" altLang="zh-CN" sz="1200" b="0" i="0" kern="1200" dirty="0">
                 <a:solidFill>
                   <a:schemeClr val="tx1"/>
                 </a:solidFill>
@@ -3285,7 +3283,7 @@
               <a:t>AngularJS</a:t>
             </a:r>
             <a:r>
-              <a:rPr lang="zh-CN" altLang="en-US" sz="1200" b="0" i="0" kern="1200" dirty="0" smtClean="0">
+              <a:rPr lang="zh-CN" altLang="en-US" sz="1200" b="0" i="0" kern="1200" dirty="0">
                 <a:solidFill>
                   <a:schemeClr val="tx1"/>
                 </a:solidFill>
@@ -3297,7 +3295,7 @@
               <a:t>部分</a:t>
             </a:r>
             <a:r>
-              <a:rPr lang="en-US" altLang="zh-CN" sz="1200" b="0" i="0" kern="1200" dirty="0" smtClean="0">
+              <a:rPr lang="en-US" altLang="zh-CN" sz="1200" b="0" i="0" kern="1200" dirty="0">
                 <a:solidFill>
                   <a:schemeClr val="tx1"/>
                 </a:solidFill>
@@ -3311,7 +3309,7 @@
           </a:p>
           <a:p>
             <a:r>
-              <a:rPr lang="zh-CN" altLang="en-US" sz="1200" b="0" i="0" kern="1200" dirty="0" smtClean="0">
+              <a:rPr lang="zh-CN" altLang="en-US" sz="1200" b="0" i="0" kern="1200" dirty="0">
                 <a:solidFill>
                   <a:schemeClr val="tx1"/>
                 </a:solidFill>
@@ -3323,7 +3321,7 @@
               <a:t>如何管理</a:t>
             </a:r>
             <a:r>
-              <a:rPr lang="en-US" altLang="zh-CN" sz="1200" b="0" i="0" kern="1200" dirty="0" err="1" smtClean="0">
+              <a:rPr lang="en-US" altLang="zh-CN" sz="1200" b="0" i="0" kern="1200" dirty="0" err="1">
                 <a:solidFill>
                   <a:schemeClr val="tx1"/>
                 </a:solidFill>
@@ -3335,7 +3333,7 @@
               <a:t>angularjs</a:t>
             </a:r>
             <a:r>
-              <a:rPr lang="zh-CN" altLang="en-US" sz="1200" b="0" i="0" kern="1200" dirty="0" smtClean="0">
+              <a:rPr lang="zh-CN" altLang="en-US" sz="1200" b="0" i="0" kern="1200" dirty="0">
                 <a:solidFill>
                   <a:schemeClr val="tx1"/>
                 </a:solidFill>
@@ -3347,7 +3345,7 @@
               <a:t>的视图部分的</a:t>
             </a:r>
             <a:r>
-              <a:rPr lang="en-US" altLang="zh-CN" sz="1200" b="0" i="0" kern="1200" dirty="0" smtClean="0">
+              <a:rPr lang="en-US" altLang="zh-CN" sz="1200" b="0" i="0" kern="1200" dirty="0">
                 <a:solidFill>
                   <a:schemeClr val="tx1"/>
                 </a:solidFill>
@@ -3359,7 +3357,7 @@
               <a:t>html</a:t>
             </a:r>
             <a:r>
-              <a:rPr lang="zh-CN" altLang="en-US" sz="1200" b="0" i="0" kern="1200" dirty="0" smtClean="0">
+              <a:rPr lang="zh-CN" altLang="en-US" sz="1200" b="0" i="0" kern="1200" dirty="0">
                 <a:solidFill>
                   <a:schemeClr val="tx1"/>
                 </a:solidFill>
@@ -3371,7 +3369,7 @@
               <a:t>文件</a:t>
             </a:r>
             <a:r>
-              <a:rPr lang="en-US" altLang="zh-CN" sz="1200" b="0" i="0" kern="1200" dirty="0" smtClean="0">
+              <a:rPr lang="en-US" altLang="zh-CN" sz="1200" b="0" i="0" kern="1200" dirty="0">
                 <a:solidFill>
                   <a:schemeClr val="tx1"/>
                 </a:solidFill>
@@ -3385,7 +3383,7 @@
           </a:p>
           <a:p>
             <a:r>
-              <a:rPr lang="zh-CN" altLang="en-US" sz="1200" b="0" i="0" kern="1200" dirty="0" smtClean="0">
+              <a:rPr lang="zh-CN" altLang="en-US" sz="1200" b="0" i="0" kern="1200" dirty="0">
                 <a:solidFill>
                   <a:schemeClr val="tx1"/>
                 </a:solidFill>
@@ -3397,7 +3395,7 @@
               <a:t>如何拆分</a:t>
             </a:r>
             <a:r>
-              <a:rPr lang="en-US" altLang="zh-CN" sz="1200" b="0" i="0" kern="1200" dirty="0" err="1" smtClean="0">
+              <a:rPr lang="en-US" altLang="zh-CN" sz="1200" b="0" i="0" kern="1200" dirty="0" err="1">
                 <a:solidFill>
                   <a:schemeClr val="tx1"/>
                 </a:solidFill>
@@ -3409,7 +3407,7 @@
               <a:t>angularjs</a:t>
             </a:r>
             <a:r>
-              <a:rPr lang="zh-CN" altLang="en-US" sz="1200" b="0" i="0" kern="1200" dirty="0" smtClean="0">
+              <a:rPr lang="zh-CN" altLang="en-US" sz="1200" b="0" i="0" kern="1200" dirty="0">
                 <a:solidFill>
                   <a:schemeClr val="tx1"/>
                 </a:solidFill>
@@ -3423,7 +3421,7 @@
           </a:p>
           <a:p>
             <a:r>
-              <a:rPr lang="zh-CN" altLang="en-US" sz="1200" b="0" i="0" kern="1200" dirty="0" smtClean="0">
+              <a:rPr lang="zh-CN" altLang="en-US" sz="1200" b="0" i="0" kern="1200" dirty="0">
                 <a:solidFill>
                   <a:schemeClr val="tx1"/>
                 </a:solidFill>
@@ -3435,7 +3433,7 @@
               <a:t>这一章的样例代码</a:t>
             </a:r>
             <a:r>
-              <a:rPr lang="en-US" altLang="zh-CN" sz="1200" b="0" i="0" kern="1200" dirty="0" smtClean="0">
+              <a:rPr lang="en-US" altLang="zh-CN" sz="1200" b="0" i="0" kern="1200" dirty="0">
                 <a:solidFill>
                   <a:schemeClr val="tx1"/>
                 </a:solidFill>
@@ -3447,7 +3445,7 @@
               <a:t>,</a:t>
             </a:r>
             <a:r>
-              <a:rPr lang="zh-CN" altLang="en-US" sz="1200" b="0" i="0" kern="1200" dirty="0" smtClean="0">
+              <a:rPr lang="zh-CN" altLang="en-US" sz="1200" b="0" i="0" kern="1200" dirty="0">
                 <a:solidFill>
                   <a:schemeClr val="tx1"/>
                 </a:solidFill>
@@ -3459,7 +3457,7 @@
               <a:t>在上一章的基础上</a:t>
             </a:r>
             <a:r>
-              <a:rPr lang="en-US" altLang="zh-CN" sz="1200" b="0" i="0" kern="1200" dirty="0" smtClean="0">
+              <a:rPr lang="en-US" altLang="zh-CN" sz="1200" b="0" i="0" kern="1200" dirty="0">
                 <a:solidFill>
                   <a:schemeClr val="tx1"/>
                 </a:solidFill>
@@ -3471,7 +3469,7 @@
               <a:t>,</a:t>
             </a:r>
             <a:r>
-              <a:rPr lang="zh-CN" altLang="en-US" sz="1200" b="0" i="0" kern="1200" dirty="0" smtClean="0">
+              <a:rPr lang="zh-CN" altLang="en-US" sz="1200" b="0" i="0" kern="1200" dirty="0">
                 <a:solidFill>
                   <a:schemeClr val="tx1"/>
                 </a:solidFill>
@@ -3483,7 +3481,7 @@
               <a:t>添加了以下功能</a:t>
             </a:r>
             <a:r>
-              <a:rPr lang="en-US" altLang="zh-CN" sz="1200" b="0" i="0" kern="1200" dirty="0" smtClean="0">
+              <a:rPr lang="en-US" altLang="zh-CN" sz="1200" b="0" i="0" kern="1200" dirty="0">
                 <a:solidFill>
                   <a:schemeClr val="tx1"/>
                 </a:solidFill>
@@ -3497,7 +3495,7 @@
           </a:p>
           <a:p>
             <a:r>
-              <a:rPr lang="zh-CN" altLang="en-US" sz="1200" b="0" i="0" kern="1200" dirty="0" smtClean="0">
+              <a:rPr lang="zh-CN" altLang="en-US" sz="1200" b="0" i="0" kern="1200" dirty="0">
                 <a:solidFill>
                   <a:schemeClr val="tx1"/>
                 </a:solidFill>
@@ -3509,7 +3507,7 @@
               <a:t>利用</a:t>
             </a:r>
             <a:r>
-              <a:rPr lang="en-US" altLang="zh-CN" sz="1200" b="0" i="0" kern="1200" dirty="0" err="1" smtClean="0">
+              <a:rPr lang="en-US" altLang="zh-CN" sz="1200" b="0" i="0" kern="1200" dirty="0" err="1">
                 <a:solidFill>
                   <a:schemeClr val="tx1"/>
                 </a:solidFill>
@@ -3521,7 +3519,7 @@
               <a:t>webpack</a:t>
             </a:r>
             <a:r>
-              <a:rPr lang="zh-CN" altLang="en-US" sz="1200" b="0" i="0" kern="1200" dirty="0" smtClean="0">
+              <a:rPr lang="zh-CN" altLang="en-US" sz="1200" b="0" i="0" kern="1200" dirty="0">
                 <a:solidFill>
                   <a:schemeClr val="tx1"/>
                 </a:solidFill>
@@ -3533,7 +3531,7 @@
               <a:t>的</a:t>
             </a:r>
             <a:r>
-              <a:rPr lang="en-US" altLang="zh-CN" sz="1200" b="0" i="0" kern="1200" dirty="0" smtClean="0">
+              <a:rPr lang="en-US" altLang="zh-CN" sz="1200" b="0" i="0" kern="1200" dirty="0">
                 <a:solidFill>
                   <a:schemeClr val="tx1"/>
                 </a:solidFill>
@@ -3545,7 +3543,7 @@
               <a:t>ng-cache-loader</a:t>
             </a:r>
             <a:r>
-              <a:rPr lang="zh-CN" altLang="en-US" sz="1200" b="0" i="0" kern="1200" dirty="0" smtClean="0">
+              <a:rPr lang="zh-CN" altLang="en-US" sz="1200" b="0" i="0" kern="1200" dirty="0">
                 <a:solidFill>
                   <a:schemeClr val="tx1"/>
                 </a:solidFill>
@@ -3557,7 +3555,7 @@
               <a:t>解析</a:t>
             </a:r>
             <a:r>
-              <a:rPr lang="en-US" altLang="zh-CN" sz="1200" b="0" i="0" kern="1200" dirty="0" err="1" smtClean="0">
+              <a:rPr lang="en-US" altLang="zh-CN" sz="1200" b="0" i="0" kern="1200" dirty="0" err="1">
                 <a:solidFill>
                   <a:schemeClr val="tx1"/>
                 </a:solidFill>
@@ -3569,7 +3567,7 @@
               <a:t>angularjs</a:t>
             </a:r>
             <a:r>
-              <a:rPr lang="en-US" altLang="zh-CN" sz="1200" b="0" i="0" kern="1200" dirty="0" smtClean="0">
+              <a:rPr lang="en-US" altLang="zh-CN" sz="1200" b="0" i="0" kern="1200" dirty="0">
                 <a:solidFill>
                   <a:schemeClr val="tx1"/>
                 </a:solidFill>
@@ -3581,7 +3579,7 @@
               <a:t> html</a:t>
             </a:r>
             <a:r>
-              <a:rPr lang="zh-CN" altLang="en-US" sz="1200" b="0" i="0" kern="1200" dirty="0" smtClean="0">
+              <a:rPr lang="zh-CN" altLang="en-US" sz="1200" b="0" i="0" kern="1200" dirty="0">
                 <a:solidFill>
                   <a:schemeClr val="tx1"/>
                 </a:solidFill>
@@ -3595,7 +3593,7 @@
           </a:p>
           <a:p>
             <a:r>
-              <a:rPr lang="zh-CN" altLang="en-US" sz="1200" b="0" i="0" kern="1200" dirty="0" smtClean="0">
+              <a:rPr lang="zh-CN" altLang="en-US" sz="1200" b="0" i="0" kern="1200" dirty="0">
                 <a:solidFill>
                   <a:schemeClr val="tx1"/>
                 </a:solidFill>
@@ -3607,7 +3605,7 @@
               <a:t>利用</a:t>
             </a:r>
             <a:r>
-              <a:rPr lang="en-US" altLang="zh-CN" sz="1200" b="0" i="0" kern="1200" dirty="0" err="1" smtClean="0">
+              <a:rPr lang="en-US" altLang="zh-CN" sz="1200" b="0" i="0" kern="1200" dirty="0" err="1">
                 <a:solidFill>
                   <a:schemeClr val="tx1"/>
                 </a:solidFill>
@@ -3619,7 +3617,7 @@
               <a:t>webpack</a:t>
             </a:r>
             <a:r>
-              <a:rPr lang="zh-CN" altLang="en-US" sz="1200" b="0" i="0" kern="1200" dirty="0" smtClean="0">
+              <a:rPr lang="zh-CN" altLang="en-US" sz="1200" b="0" i="0" kern="1200" dirty="0">
                 <a:solidFill>
                   <a:schemeClr val="tx1"/>
                 </a:solidFill>
@@ -3631,7 +3629,7 @@
               <a:t>的</a:t>
             </a:r>
             <a:r>
-              <a:rPr lang="en-US" altLang="zh-CN" sz="1200" b="0" i="0" kern="1200" dirty="0" smtClean="0">
+              <a:rPr lang="en-US" altLang="zh-CN" sz="1200" b="0" i="0" kern="1200" dirty="0">
                 <a:solidFill>
                   <a:schemeClr val="tx1"/>
                 </a:solidFill>
@@ -3643,7 +3641,7 @@
               <a:t>style-</a:t>
             </a:r>
             <a:r>
-              <a:rPr lang="en-US" altLang="zh-CN" sz="1200" b="0" i="0" kern="1200" dirty="0" err="1" smtClean="0">
+              <a:rPr lang="en-US" altLang="zh-CN" sz="1200" b="0" i="0" kern="1200" dirty="0" err="1">
                 <a:solidFill>
                   <a:schemeClr val="tx1"/>
                 </a:solidFill>
@@ -3655,7 +3653,7 @@
               <a:t>loader,css</a:t>
             </a:r>
             <a:r>
-              <a:rPr lang="en-US" altLang="zh-CN" sz="1200" b="0" i="0" kern="1200" dirty="0" smtClean="0">
+              <a:rPr lang="en-US" altLang="zh-CN" sz="1200" b="0" i="0" kern="1200" dirty="0">
                 <a:solidFill>
                   <a:schemeClr val="tx1"/>
                 </a:solidFill>
@@ -3667,7 +3665,7 @@
               <a:t>-loader</a:t>
             </a:r>
             <a:r>
-              <a:rPr lang="zh-CN" altLang="en-US" sz="1200" b="0" i="0" kern="1200" dirty="0" smtClean="0">
+              <a:rPr lang="zh-CN" altLang="en-US" sz="1200" b="0" i="0" kern="1200" dirty="0">
                 <a:solidFill>
                   <a:schemeClr val="tx1"/>
                 </a:solidFill>
@@ -3679,7 +3677,7 @@
               <a:t>提供</a:t>
             </a:r>
             <a:r>
-              <a:rPr lang="en-US" altLang="zh-CN" sz="1200" b="0" i="0" kern="1200" dirty="0" err="1" smtClean="0">
+              <a:rPr lang="en-US" altLang="zh-CN" sz="1200" b="0" i="0" kern="1200" dirty="0" err="1">
                 <a:solidFill>
                   <a:schemeClr val="tx1"/>
                 </a:solidFill>
@@ -3691,7 +3689,7 @@
               <a:t>css</a:t>
             </a:r>
             <a:r>
-              <a:rPr lang="zh-CN" altLang="en-US" sz="1200" b="0" i="0" kern="1200" dirty="0" smtClean="0">
+              <a:rPr lang="zh-CN" altLang="en-US" sz="1200" b="0" i="0" kern="1200" dirty="0">
                 <a:solidFill>
                   <a:schemeClr val="tx1"/>
                 </a:solidFill>
@@ -3705,7 +3703,7 @@
           </a:p>
           <a:p>
             <a:r>
-              <a:rPr lang="zh-CN" altLang="en-US" sz="1200" b="0" i="0" kern="1200" dirty="0" smtClean="0">
+              <a:rPr lang="zh-CN" altLang="en-US" sz="1200" b="0" i="0" kern="1200" dirty="0">
                 <a:solidFill>
                   <a:schemeClr val="tx1"/>
                 </a:solidFill>
@@ -3717,7 +3715,7 @@
               <a:t>提供</a:t>
             </a:r>
             <a:r>
-              <a:rPr lang="en-US" altLang="zh-CN" sz="1200" b="0" i="0" kern="1200" dirty="0" err="1" smtClean="0">
+              <a:rPr lang="en-US" altLang="zh-CN" sz="1200" b="0" i="0" kern="1200" dirty="0" err="1">
                 <a:solidFill>
                   <a:schemeClr val="tx1"/>
                 </a:solidFill>
@@ -3729,7 +3727,7 @@
               <a:t>angularjs</a:t>
             </a:r>
             <a:r>
-              <a:rPr lang="zh-CN" altLang="en-US" sz="1200" b="0" i="0" kern="1200" dirty="0" smtClean="0">
+              <a:rPr lang="zh-CN" altLang="en-US" sz="1200" b="0" i="0" kern="1200" dirty="0">
                 <a:solidFill>
                   <a:schemeClr val="tx1"/>
                 </a:solidFill>
@@ -3743,7 +3741,7 @@
           </a:p>
           <a:p>
             <a:r>
-              <a:rPr lang="zh-CN" altLang="en-US" sz="1200" b="0" i="0" kern="1200" dirty="0" smtClean="0">
+              <a:rPr lang="zh-CN" altLang="en-US" sz="1200" b="0" i="0" kern="1200" dirty="0">
                 <a:solidFill>
                   <a:schemeClr val="tx1"/>
                 </a:solidFill>
@@ -3755,7 +3753,7 @@
               <a:t>提供与</a:t>
             </a:r>
             <a:r>
-              <a:rPr lang="en-US" altLang="zh-CN" sz="1200" b="0" i="0" kern="1200" dirty="0" err="1" smtClean="0">
+              <a:rPr lang="en-US" altLang="zh-CN" sz="1200" b="0" i="0" kern="1200" dirty="0" err="1">
                 <a:solidFill>
                   <a:schemeClr val="tx1"/>
                 </a:solidFill>
@@ -3767,7 +3765,7 @@
               <a:t>koa,express,springboot</a:t>
             </a:r>
             <a:r>
-              <a:rPr lang="zh-CN" altLang="en-US" sz="1200" b="0" i="0" kern="1200" dirty="0" smtClean="0">
+              <a:rPr lang="zh-CN" altLang="en-US" sz="1200" b="0" i="0" kern="1200" dirty="0">
                 <a:solidFill>
                   <a:schemeClr val="tx1"/>
                 </a:solidFill>
@@ -3781,7 +3779,7 @@
           </a:p>
           <a:p>
             <a:r>
-              <a:rPr lang="zh-CN" altLang="en-US" sz="1200" b="0" i="0" kern="1200" dirty="0" smtClean="0">
+              <a:rPr lang="zh-CN" altLang="en-US" sz="1200" b="0" i="0" kern="1200" dirty="0">
                 <a:solidFill>
                   <a:schemeClr val="tx1"/>
                 </a:solidFill>
@@ -3793,7 +3791,7 @@
               <a:t>为解决实际项目中遇到的问题做了其中一种实现</a:t>
             </a:r>
             <a:r>
-              <a:rPr lang="en-US" altLang="zh-CN" sz="1200" b="0" i="0" kern="1200" dirty="0" smtClean="0">
+              <a:rPr lang="en-US" altLang="zh-CN" sz="1200" b="0" i="0" kern="1200" dirty="0">
                 <a:solidFill>
                   <a:schemeClr val="tx1"/>
                 </a:solidFill>
@@ -3805,7 +3803,7 @@
               <a:t>,</a:t>
             </a:r>
             <a:r>
-              <a:rPr lang="zh-CN" altLang="en-US" sz="1200" b="0" i="0" kern="1200" dirty="0" smtClean="0">
+              <a:rPr lang="zh-CN" altLang="en-US" sz="1200" b="0" i="0" kern="1200" dirty="0">
                 <a:solidFill>
                   <a:schemeClr val="tx1"/>
                 </a:solidFill>
@@ -3817,7 +3815,7 @@
               <a:t>提供了一种较普遍的思路</a:t>
             </a:r>
             <a:r>
-              <a:rPr lang="en-US" altLang="zh-CN" sz="1200" b="0" i="0" kern="1200" dirty="0" smtClean="0">
+              <a:rPr lang="en-US" altLang="zh-CN" sz="1200" b="0" i="0" kern="1200" dirty="0">
                 <a:solidFill>
                   <a:schemeClr val="tx1"/>
                 </a:solidFill>
@@ -8949,7 +8947,7 @@
           <a:lstStyle/>
           <a:p>
             <a:r>
-              <a:rPr lang="en-US" altLang="zh-CN" dirty="0" smtClean="0">
+              <a:rPr lang="en-US" altLang="zh-CN" dirty="0">
                 <a:latin typeface="Calibri Light" panose="020F0302020204030204" pitchFamily="34" charset="0"/>
               </a:rPr>
               <a:t>Step by Step see how build tools helps in web application development</a:t>
@@ -8981,14 +8979,11 @@
           <a:lstStyle/>
           <a:p>
             <a:r>
-              <a:rPr lang="en-US" dirty="0" smtClean="0">
+              <a:rPr lang="en-US" dirty="0">
                 <a:latin typeface="Calibri Light" panose="020F0302020204030204" pitchFamily="34" charset="0"/>
               </a:rPr>
               <a:t>Engineering Demo Project</a:t>
             </a:r>
-            <a:endParaRPr lang="en-US" dirty="0">
-              <a:latin typeface="Calibri Light" panose="020F0302020204030204" pitchFamily="34" charset="0"/>
-            </a:endParaRPr>
           </a:p>
         </p:txBody>
       </p:sp>
@@ -9012,7 +9007,10 @@
           <a:bodyPr/>
           <a:lstStyle/>
           <a:p>
-            <a:endParaRPr lang="en-US" dirty="0"/>
+            <a:r>
+              <a:rPr lang="en-US" dirty="0"/>
+              <a:t>Jason Cui</a:t>
+            </a:r>
           </a:p>
         </p:txBody>
       </p:sp>
@@ -9037,10 +9035,9 @@
           <a:lstStyle/>
           <a:p>
             <a:r>
-              <a:rPr lang="en-US" dirty="0" smtClean="0"/>
-              <a:t>2017.07.09</a:t>
-            </a:r>
-            <a:endParaRPr lang="en-US" dirty="0"/>
+              <a:rPr lang="en-US" dirty="0"/>
+              <a:t>2017.08.31</a:t>
+            </a:r>
           </a:p>
         </p:txBody>
       </p:sp>
@@ -9088,7 +9085,6 @@
               <a:rPr lang="en-US" dirty="0"/>
               <a:t>5</a:t>
             </a:r>
-            <a:endParaRPr lang="en-US" dirty="0"/>
           </a:p>
         </p:txBody>
       </p:sp>
@@ -9197,7 +9193,6 @@
               <a:rPr lang="en-US" dirty="0"/>
               <a:t>6</a:t>
             </a:r>
-            <a:endParaRPr lang="en-US" dirty="0"/>
           </a:p>
         </p:txBody>
       </p:sp>
@@ -9302,7 +9297,6 @@
               <a:rPr lang="en-US" dirty="0"/>
               <a:t>7</a:t>
             </a:r>
-            <a:endParaRPr lang="en-US" dirty="0"/>
           </a:p>
         </p:txBody>
       </p:sp>
@@ -9388,76 +9382,7 @@
           <a:chExt cx="0" cy="0"/>
         </a:xfrm>
       </p:grpSpPr>
-      <p:sp>
-        <p:nvSpPr>
-          <p:cNvPr id="2" name="Text Placeholder 1"/>
-          <p:cNvSpPr>
-            <a:spLocks noGrp="1"/>
-          </p:cNvSpPr>
-          <p:nvPr>
-            <p:ph type="body" sz="quarter" idx="13"/>
-          </p:nvPr>
-        </p:nvSpPr>
-        <p:spPr/>
-        <p:txBody>
-          <a:bodyPr/>
-          <a:lstStyle/>
-          <a:p>
-            <a:r>
-              <a:rPr lang="en-US" dirty="0"/>
-              <a:t>2</a:t>
-            </a:r>
-          </a:p>
-        </p:txBody>
-      </p:sp>
-      <p:sp>
-        <p:nvSpPr>
-          <p:cNvPr id="3" name="Text Placeholder 2"/>
-          <p:cNvSpPr>
-            <a:spLocks noGrp="1"/>
-          </p:cNvSpPr>
-          <p:nvPr>
-            <p:ph type="body" sz="quarter" idx="14"/>
-          </p:nvPr>
-        </p:nvSpPr>
-        <p:spPr/>
-        <p:txBody>
-          <a:bodyPr/>
-          <a:lstStyle/>
-          <a:p>
-            <a:endParaRPr lang="en-US" dirty="0">
-              <a:latin typeface="Calibri Light" panose="020F0302020204030204" pitchFamily="34" charset="0"/>
-            </a:endParaRPr>
-          </a:p>
-        </p:txBody>
-      </p:sp>
-      <p:sp>
-        <p:nvSpPr>
-          <p:cNvPr id="4" name="Content Placeholder 3"/>
-          <p:cNvSpPr>
-            <a:spLocks noGrp="1"/>
-          </p:cNvSpPr>
-          <p:nvPr>
-            <p:ph sz="quarter" idx="15"/>
-          </p:nvPr>
-        </p:nvSpPr>
-        <p:spPr/>
-        <p:txBody>
-          <a:bodyPr/>
-          <a:lstStyle/>
-          <a:p>
-            <a:endParaRPr lang="en-US" dirty="0">
-              <a:latin typeface="Calibri Light" panose="020F0302020204030204" pitchFamily="34" charset="0"/>
-            </a:endParaRPr>
-          </a:p>
-        </p:txBody>
-      </p:sp>
     </p:spTree>
-    <p:extLst>
-      <p:ext uri="{BB962C8B-B14F-4D97-AF65-F5344CB8AC3E}">
-        <p14:creationId xmlns:p14="http://schemas.microsoft.com/office/powerpoint/2010/main" val="354925323"/>
-      </p:ext>
-    </p:extLst>
   </p:cSld>
   <p:clrMapOvr>
     <a:masterClrMapping/>
@@ -9466,31 +9391,6 @@
 </file>
 
 <file path=ppt/slides/slide14.xml><?xml version="1.0" encoding="utf-8"?>
-<p:sld xmlns:a="http://schemas.openxmlformats.org/drawingml/2006/main" xmlns:r="http://schemas.openxmlformats.org/officeDocument/2006/relationships" xmlns:p="http://schemas.openxmlformats.org/presentationml/2006/main">
-  <p:cSld>
-    <p:spTree>
-      <p:nvGrpSpPr>
-        <p:cNvPr id="1" name=""/>
-        <p:cNvGrpSpPr/>
-        <p:nvPr/>
-      </p:nvGrpSpPr>
-      <p:grpSpPr>
-        <a:xfrm>
-          <a:off x="0" y="0"/>
-          <a:ext cx="0" cy="0"/>
-          <a:chOff x="0" y="0"/>
-          <a:chExt cx="0" cy="0"/>
-        </a:xfrm>
-      </p:grpSpPr>
-    </p:spTree>
-  </p:cSld>
-  <p:clrMapOvr>
-    <a:masterClrMapping/>
-  </p:clrMapOvr>
-</p:sld>
-</file>
-
-<file path=ppt/slides/slide15.xml><?xml version="1.0" encoding="utf-8"?>
 <p:sld xmlns:a="http://schemas.openxmlformats.org/drawingml/2006/main" xmlns:r="http://schemas.openxmlformats.org/officeDocument/2006/relationships" xmlns:p="http://schemas.openxmlformats.org/presentationml/2006/main">
   <p:cSld>
     <p:spTree>
@@ -9553,14 +9453,11 @@
           <a:lstStyle/>
           <a:p>
             <a:r>
-              <a:rPr lang="en-US" dirty="0" smtClean="0">
+              <a:rPr lang="en-US" dirty="0">
                 <a:latin typeface="Calibri Light" panose="020F0302020204030204" pitchFamily="34" charset="0"/>
               </a:rPr>
               <a:t>Agenda</a:t>
             </a:r>
-            <a:endParaRPr lang="en-US" dirty="0">
-              <a:latin typeface="Calibri Light" panose="020F0302020204030204" pitchFamily="34" charset="0"/>
-            </a:endParaRPr>
           </a:p>
         </p:txBody>
       </p:sp>
@@ -9801,14 +9698,11 @@
           <a:lstStyle/>
           <a:p>
             <a:r>
-              <a:rPr lang="en-US" dirty="0" smtClean="0">
+              <a:rPr lang="en-US" dirty="0">
                 <a:latin typeface="Calibri Light" panose="020F0302020204030204" pitchFamily="34" charset="0"/>
               </a:rPr>
               <a:t>Pure AngularJS Project</a:t>
             </a:r>
-            <a:endParaRPr lang="en-US" dirty="0">
-              <a:latin typeface="Calibri Light" panose="020F0302020204030204" pitchFamily="34" charset="0"/>
-            </a:endParaRPr>
           </a:p>
         </p:txBody>
       </p:sp>
@@ -9833,13 +9727,13 @@
           <a:lstStyle/>
           <a:p>
             <a:r>
-              <a:rPr lang="en-US" dirty="0" smtClean="0">
+              <a:rPr lang="en-US" dirty="0">
                 <a:latin typeface="Calibri Light" panose="020F0302020204030204" pitchFamily="34" charset="0"/>
               </a:rPr>
               <a:t>Proje</a:t>
             </a:r>
             <a:r>
-              <a:rPr lang="en-US" altLang="zh-CN" dirty="0" smtClean="0">
+              <a:rPr lang="en-US" altLang="zh-CN" dirty="0">
                 <a:latin typeface="Calibri Light" panose="020F0302020204030204" pitchFamily="34" charset="0"/>
               </a:rPr>
               <a:t>ct Revolution Road Map</a:t>
@@ -9868,14 +9762,11 @@
           <a:lstStyle/>
           <a:p>
             <a:r>
-              <a:rPr lang="en-US" dirty="0" smtClean="0">
+              <a:rPr lang="en-US" dirty="0">
                 <a:latin typeface="Calibri Light" panose="020F0302020204030204" pitchFamily="34" charset="0"/>
               </a:rPr>
               <a:t>Project Environment Setup</a:t>
             </a:r>
-            <a:endParaRPr lang="en-US" dirty="0">
-              <a:latin typeface="Calibri Light" panose="020F0302020204030204" pitchFamily="34" charset="0"/>
-            </a:endParaRPr>
           </a:p>
         </p:txBody>
       </p:sp>
@@ -9900,26 +9791,23 @@
           <a:lstStyle/>
           <a:p>
             <a:r>
-              <a:rPr lang="en-US" dirty="0" smtClean="0">
+              <a:rPr lang="en-US" dirty="0">
                 <a:latin typeface="Calibri Light" panose="020F0302020204030204" pitchFamily="34" charset="0"/>
               </a:rPr>
               <a:t>Pure </a:t>
             </a:r>
             <a:r>
-              <a:rPr lang="en-US" dirty="0" err="1" smtClean="0">
+              <a:rPr lang="en-US" dirty="0" err="1">
                 <a:latin typeface="Calibri Light" panose="020F0302020204030204" pitchFamily="34" charset="0"/>
               </a:rPr>
               <a:t>CommonJS</a:t>
             </a:r>
             <a:r>
-              <a:rPr lang="en-US" dirty="0" smtClean="0">
+              <a:rPr lang="en-US" dirty="0">
                 <a:latin typeface="Calibri Light" panose="020F0302020204030204" pitchFamily="34" charset="0"/>
               </a:rPr>
               <a:t> Project</a:t>
             </a:r>
-            <a:endParaRPr lang="en-US" dirty="0">
-              <a:latin typeface="Calibri Light" panose="020F0302020204030204" pitchFamily="34" charset="0"/>
-            </a:endParaRPr>
           </a:p>
         </p:txBody>
       </p:sp>
@@ -9944,26 +9832,23 @@
           <a:lstStyle/>
           <a:p>
             <a:r>
-              <a:rPr lang="en-US" dirty="0" smtClean="0">
+              <a:rPr lang="en-US" dirty="0">
                 <a:latin typeface="Calibri Light" panose="020F0302020204030204" pitchFamily="34" charset="0"/>
               </a:rPr>
               <a:t>Simple </a:t>
             </a:r>
             <a:r>
-              <a:rPr lang="en-US" dirty="0" err="1" smtClean="0">
+              <a:rPr lang="en-US" dirty="0" err="1">
                 <a:latin typeface="Calibri Light" panose="020F0302020204030204" pitchFamily="34" charset="0"/>
               </a:rPr>
               <a:t>Webpack</a:t>
             </a:r>
             <a:r>
-              <a:rPr lang="en-US" dirty="0" smtClean="0">
+              <a:rPr lang="en-US" dirty="0">
                 <a:latin typeface="Calibri Light" panose="020F0302020204030204" pitchFamily="34" charset="0"/>
               </a:rPr>
               <a:t> +  AngularJS</a:t>
             </a:r>
-            <a:endParaRPr lang="en-US" dirty="0">
-              <a:latin typeface="Calibri Light" panose="020F0302020204030204" pitchFamily="34" charset="0"/>
-            </a:endParaRPr>
           </a:p>
         </p:txBody>
       </p:sp>
@@ -9988,26 +9873,23 @@
           <a:lstStyle/>
           <a:p>
             <a:r>
-              <a:rPr lang="en-US" dirty="0" smtClean="0">
+              <a:rPr lang="en-US" dirty="0">
                 <a:latin typeface="Calibri Light" panose="020F0302020204030204" pitchFamily="34" charset="0"/>
               </a:rPr>
               <a:t>Simple Gulp + </a:t>
             </a:r>
             <a:r>
-              <a:rPr lang="en-US" dirty="0" err="1" smtClean="0">
+              <a:rPr lang="en-US" dirty="0" err="1">
                 <a:latin typeface="Calibri Light" panose="020F0302020204030204" pitchFamily="34" charset="0"/>
               </a:rPr>
               <a:t>Webpack</a:t>
             </a:r>
             <a:r>
-              <a:rPr lang="en-US" dirty="0" smtClean="0">
+              <a:rPr lang="en-US" dirty="0">
                 <a:latin typeface="Calibri Light" panose="020F0302020204030204" pitchFamily="34" charset="0"/>
               </a:rPr>
               <a:t> + AngularJS</a:t>
             </a:r>
-            <a:endParaRPr lang="en-US" dirty="0">
-              <a:latin typeface="Calibri Light" panose="020F0302020204030204" pitchFamily="34" charset="0"/>
-            </a:endParaRPr>
           </a:p>
         </p:txBody>
       </p:sp>
@@ -10032,14 +9914,11 @@
           <a:lstStyle/>
           <a:p>
             <a:r>
-              <a:rPr lang="en-US" dirty="0" smtClean="0">
+              <a:rPr lang="en-US" dirty="0">
                 <a:latin typeface="Calibri Light" panose="020F0302020204030204" pitchFamily="34" charset="0"/>
               </a:rPr>
               <a:t>Homework?</a:t>
             </a:r>
-            <a:endParaRPr lang="en-US" dirty="0">
-              <a:latin typeface="Calibri Light" panose="020F0302020204030204" pitchFamily="34" charset="0"/>
-            </a:endParaRPr>
           </a:p>
         </p:txBody>
       </p:sp>
@@ -10064,20 +9943,17 @@
           <a:lstStyle/>
           <a:p>
             <a:r>
-              <a:rPr lang="en-US" dirty="0" err="1" smtClean="0">
+              <a:rPr lang="en-US" dirty="0" err="1">
                 <a:latin typeface="Calibri Light" panose="020F0302020204030204" pitchFamily="34" charset="0"/>
               </a:rPr>
               <a:t>Webpack</a:t>
             </a:r>
             <a:r>
-              <a:rPr lang="en-US" dirty="0" smtClean="0">
+              <a:rPr lang="en-US" dirty="0">
                 <a:latin typeface="Calibri Light" panose="020F0302020204030204" pitchFamily="34" charset="0"/>
               </a:rPr>
               <a:t> + Gulp + AngularJS Boilerplate</a:t>
             </a:r>
-            <a:endParaRPr lang="en-US" dirty="0">
-              <a:latin typeface="Calibri Light" panose="020F0302020204030204" pitchFamily="34" charset="0"/>
-            </a:endParaRPr>
           </a:p>
         </p:txBody>
       </p:sp>
@@ -10136,17 +10012,8 @@
               <a:rPr lang="en-US" altLang="zh-CN" dirty="0">
                 <a:latin typeface="Calibri Light" panose="020F0302020204030204" pitchFamily="34" charset="0"/>
               </a:rPr>
-              <a:t>ct Revolution Road </a:t>
-            </a:r>
-            <a:r>
-              <a:rPr lang="en-US" altLang="zh-CN" dirty="0" smtClean="0">
-                <a:latin typeface="Calibri Light" panose="020F0302020204030204" pitchFamily="34" charset="0"/>
-              </a:rPr>
-              <a:t>Map</a:t>
-            </a:r>
-            <a:endParaRPr lang="en-US" altLang="zh-CN" dirty="0">
-              <a:latin typeface="Calibri Light" panose="020F0302020204030204" pitchFamily="34" charset="0"/>
-            </a:endParaRPr>
+              <a:t>ct Revolution Road Map</a:t>
+            </a:r>
           </a:p>
         </p:txBody>
       </p:sp>
@@ -10249,17 +10116,8 @@
               <a:rPr lang="en-US" altLang="zh-CN" dirty="0">
                 <a:latin typeface="Calibri Light" panose="020F0302020204030204" pitchFamily="34" charset="0"/>
               </a:rPr>
-              <a:t>ct Revolution Road </a:t>
-            </a:r>
-            <a:r>
-              <a:rPr lang="en-US" altLang="zh-CN" dirty="0" smtClean="0">
-                <a:latin typeface="Calibri Light" panose="020F0302020204030204" pitchFamily="34" charset="0"/>
-              </a:rPr>
-              <a:t>Map</a:t>
-            </a:r>
-            <a:endParaRPr lang="en-US" altLang="zh-CN" dirty="0">
-              <a:latin typeface="Calibri Light" panose="020F0302020204030204" pitchFamily="34" charset="0"/>
-            </a:endParaRPr>
+              <a:t>ct Revolution Road Map</a:t>
+            </a:r>
           </a:p>
         </p:txBody>
       </p:sp>
@@ -10286,10 +10144,9 @@
           <a:lstStyle/>
           <a:p>
             <a:r>
-              <a:rPr lang="en-US" sz="2400" dirty="0" smtClean="0"/>
+              <a:rPr lang="en-US" sz="2400" dirty="0"/>
               <a:t>Easy</a:t>
             </a:r>
-            <a:endParaRPr lang="en-US" sz="2400" dirty="0"/>
           </a:p>
           <a:p>
             <a:pPr marL="285750" indent="-285750">
@@ -10297,7 +10154,7 @@
               <a:buChar char="•"/>
             </a:pPr>
             <a:r>
-              <a:rPr lang="en-US" dirty="0" smtClean="0"/>
+              <a:rPr lang="en-US" dirty="0"/>
               <a:t>Pure AngularJS Project</a:t>
             </a:r>
           </a:p>
@@ -10307,24 +10164,23 @@
               <a:buChar char="•"/>
             </a:pPr>
             <a:r>
-              <a:rPr lang="en-US" dirty="0" smtClean="0"/>
+              <a:rPr lang="en-US" dirty="0"/>
               <a:t>Pure </a:t>
             </a:r>
             <a:r>
-              <a:rPr lang="en-US" dirty="0" err="1" smtClean="0"/>
+              <a:rPr lang="en-US" dirty="0" err="1"/>
               <a:t>CommonJS</a:t>
             </a:r>
             <a:r>
-              <a:rPr lang="en-US" dirty="0" smtClean="0"/>
+              <a:rPr lang="en-US" dirty="0"/>
               <a:t> Project</a:t>
             </a:r>
           </a:p>
           <a:p>
             <a:r>
-              <a:rPr lang="en-US" altLang="zh-CN" sz="2400" dirty="0" smtClean="0"/>
+              <a:rPr lang="en-US" altLang="zh-CN" sz="2400" dirty="0"/>
               <a:t>Normal</a:t>
             </a:r>
-            <a:endParaRPr lang="en-US" altLang="zh-CN" sz="2400" dirty="0"/>
           </a:p>
           <a:p>
             <a:pPr marL="285750" indent="-285750">
@@ -10332,29 +10188,29 @@
               <a:buChar char="•"/>
             </a:pPr>
             <a:r>
-              <a:rPr lang="en-US" altLang="zh-CN" dirty="0" smtClean="0"/>
+              <a:rPr lang="en-US" altLang="zh-CN" dirty="0"/>
               <a:t>Simple</a:t>
             </a:r>
             <a:r>
-              <a:rPr lang="zh-CN" altLang="en-US" dirty="0" smtClean="0"/>
+              <a:rPr lang="zh-CN" altLang="en-US" dirty="0"/>
               <a:t>  </a:t>
             </a:r>
             <a:r>
-              <a:rPr lang="en-US" altLang="zh-CN" dirty="0" err="1" smtClean="0"/>
+              <a:rPr lang="en-US" altLang="zh-CN" dirty="0" err="1"/>
               <a:t>Webpack</a:t>
             </a:r>
             <a:r>
-              <a:rPr lang="zh-CN" altLang="en-US" dirty="0" smtClean="0"/>
+              <a:rPr lang="zh-CN" altLang="en-US" dirty="0"/>
               <a:t>  </a:t>
             </a:r>
             <a:r>
-              <a:rPr lang="en-US" altLang="zh-CN" dirty="0" smtClean="0"/>
+              <a:rPr lang="en-US" altLang="zh-CN" dirty="0"/>
               <a:t>AngularJS</a:t>
             </a:r>
           </a:p>
           <a:p>
             <a:r>
-              <a:rPr lang="en-US" altLang="zh-CN" sz="2400" dirty="0" smtClean="0"/>
+              <a:rPr lang="en-US" altLang="zh-CN" sz="2400" dirty="0"/>
               <a:t>Advanced</a:t>
             </a:r>
           </a:p>
@@ -10364,16 +10220,12 @@
               <a:buChar char="•"/>
             </a:pPr>
             <a:r>
-              <a:rPr lang="en-US" altLang="zh-CN" dirty="0" err="1" smtClean="0"/>
+              <a:rPr lang="en-US" altLang="zh-CN" dirty="0" err="1"/>
               <a:t>Webpack</a:t>
             </a:r>
             <a:r>
               <a:rPr lang="en-US" altLang="zh-CN" dirty="0"/>
-              <a:t> </a:t>
-            </a:r>
-            <a:r>
-              <a:rPr lang="en-US" altLang="zh-CN" dirty="0" smtClean="0"/>
-              <a:t>Gulp AngularJS</a:t>
+              <a:t> Gulp AngularJS</a:t>
             </a:r>
           </a:p>
           <a:p>
@@ -10382,18 +10234,17 @@
               <a:buChar char="•"/>
             </a:pPr>
             <a:r>
-              <a:rPr lang="en-US" altLang="zh-CN" dirty="0" err="1" smtClean="0"/>
+              <a:rPr lang="en-US" altLang="zh-CN" dirty="0" err="1"/>
               <a:t>Webpack</a:t>
             </a:r>
             <a:r>
-              <a:rPr lang="en-US" altLang="zh-CN" dirty="0" smtClean="0"/>
+              <a:rPr lang="en-US" altLang="zh-CN" dirty="0"/>
               <a:t> Gulp AngularJS Boilerplate</a:t>
             </a:r>
-            <a:endParaRPr lang="en-US" altLang="zh-CN" dirty="0"/>
-          </a:p>
-          <a:p>
-            <a:r>
-              <a:rPr lang="en-US" altLang="zh-CN" sz="2400" dirty="0" smtClean="0"/>
+          </a:p>
+          <a:p>
+            <a:r>
+              <a:rPr lang="en-US" altLang="zh-CN" sz="2400" dirty="0"/>
               <a:t>Optional</a:t>
             </a:r>
           </a:p>
@@ -10403,7 +10254,7 @@
               <a:buChar char="•"/>
             </a:pPr>
             <a:r>
-              <a:rPr lang="en-US" altLang="zh-CN" dirty="0" smtClean="0"/>
+              <a:rPr lang="en-US" altLang="zh-CN" dirty="0"/>
               <a:t>Integration with server-side project</a:t>
             </a:r>
           </a:p>
@@ -10419,7 +10270,7 @@
               <a:buFont typeface="Arial" charset="0"/>
               <a:buChar char="•"/>
             </a:pPr>
-            <a:endParaRPr lang="en-US" dirty="0" smtClean="0"/>
+            <a:endParaRPr lang="en-US" dirty="0"/>
           </a:p>
           <a:p>
             <a:pPr marL="285750" indent="-285750">
@@ -10478,38 +10329,35 @@
           <a:lstStyle/>
           <a:p>
             <a:r>
-              <a:rPr lang="en-US" dirty="0" smtClean="0">
+              <a:rPr lang="en-US" dirty="0">
                 <a:latin typeface="Calibri Light" panose="020F0302020204030204" pitchFamily="34" charset="0"/>
               </a:rPr>
               <a:t>Pre-Require</a:t>
             </a:r>
             <a:r>
-              <a:rPr lang="zh-CN" altLang="en-US" dirty="0" smtClean="0">
+              <a:rPr lang="zh-CN" altLang="en-US" dirty="0">
                 <a:latin typeface="Calibri Light" panose="020F0302020204030204" pitchFamily="34" charset="0"/>
               </a:rPr>
               <a:t> </a:t>
             </a:r>
             <a:r>
-              <a:rPr lang="en-US" dirty="0" smtClean="0">
+              <a:rPr lang="en-US" dirty="0">
                 <a:latin typeface="Calibri Light" panose="020F0302020204030204" pitchFamily="34" charset="0"/>
               </a:rPr>
               <a:t>Suite</a:t>
             </a:r>
             <a:r>
-              <a:rPr lang="en-US" altLang="zh-CN" dirty="0" smtClean="0">
+              <a:rPr lang="en-US" altLang="zh-CN" dirty="0">
                 <a:latin typeface="Calibri Light" panose="020F0302020204030204" pitchFamily="34" charset="0"/>
               </a:rPr>
               <a:t>s</a:t>
             </a:r>
             <a:r>
-              <a:rPr lang="en-US" dirty="0" smtClean="0">
+              <a:rPr lang="en-US" dirty="0">
                 <a:latin typeface="Calibri Light" panose="020F0302020204030204" pitchFamily="34" charset="0"/>
               </a:rPr>
               <a:t> and Environment Setup</a:t>
             </a:r>
-            <a:endParaRPr lang="en-US" dirty="0">
-              <a:latin typeface="Calibri Light" panose="020F0302020204030204" pitchFamily="34" charset="0"/>
-            </a:endParaRPr>
           </a:p>
         </p:txBody>
       </p:sp>
@@ -10537,7 +10385,6 @@
               <a:rPr lang="en-US" dirty="0"/>
               <a:t>2</a:t>
             </a:r>
-            <a:endParaRPr lang="en-US" dirty="0"/>
           </a:p>
         </p:txBody>
       </p:sp>
@@ -10666,7 +10513,7 @@
               <a:buNone/>
             </a:pPr>
             <a:r>
-              <a:rPr lang="en-US" altLang="zh-CN" b="1" dirty="0" err="1" smtClean="0">
+              <a:rPr lang="en-US" altLang="zh-CN" b="1" dirty="0" err="1">
                 <a:latin typeface="Calibri Light" panose="020F0302020204030204" pitchFamily="34" charset="0"/>
               </a:rPr>
               <a:t>Node.js</a:t>
@@ -10677,53 +10524,88 @@
           </a:p>
           <a:p>
             <a:r>
-              <a:rPr lang="en-US" dirty="0" err="1" smtClean="0">
+              <a:rPr lang="en-US" dirty="0" err="1">
                 <a:latin typeface="Calibri Light" panose="020F0302020204030204" pitchFamily="34" charset="0"/>
               </a:rPr>
               <a:t>CommonJS</a:t>
             </a:r>
             <a:r>
-              <a:rPr lang="en-US" dirty="0" smtClean="0">
+              <a:rPr lang="en-US" dirty="0">
                 <a:latin typeface="Calibri Light" panose="020F0302020204030204" pitchFamily="34" charset="0"/>
               </a:rPr>
               <a:t> </a:t>
             </a:r>
             <a:r>
-              <a:rPr lang="en-US" dirty="0" err="1" smtClean="0">
+              <a:rPr lang="en-US" dirty="0" err="1">
                 <a:latin typeface="Calibri Light" panose="020F0302020204030204" pitchFamily="34" charset="0"/>
               </a:rPr>
               <a:t>Grammer</a:t>
-            </a:r>
-            <a:endParaRPr lang="en-US" dirty="0" smtClean="0">
-              <a:latin typeface="Calibri Light" panose="020F0302020204030204" pitchFamily="34" charset="0"/>
-            </a:endParaRPr>
-          </a:p>
-          <a:p>
-            <a:r>
-              <a:rPr lang="en-US" dirty="0" err="1" smtClean="0">
-                <a:latin typeface="Calibri Light" panose="020F0302020204030204" pitchFamily="34" charset="0"/>
-              </a:rPr>
-              <a:t>Package.json</a:t>
-            </a:r>
-            <a:r>
-              <a:rPr lang="en-US" dirty="0" smtClean="0">
-                <a:latin typeface="Calibri Light" panose="020F0302020204030204" pitchFamily="34" charset="0"/>
-              </a:rPr>
-              <a:t> Configure</a:t>
             </a:r>
             <a:endParaRPr lang="en-US" dirty="0">
               <a:latin typeface="Calibri Light" panose="020F0302020204030204" pitchFamily="34" charset="0"/>
             </a:endParaRPr>
           </a:p>
           <a:p>
+            <a:r>
+              <a:rPr lang="en-US" dirty="0" err="1">
+                <a:latin typeface="Calibri Light" panose="020F0302020204030204" pitchFamily="34" charset="0"/>
+              </a:rPr>
+              <a:t>Package.json</a:t>
+            </a:r>
+            <a:r>
+              <a:rPr lang="en-US" dirty="0">
+                <a:latin typeface="Calibri Light" panose="020F0302020204030204" pitchFamily="34" charset="0"/>
+              </a:rPr>
+              <a:t> Configure</a:t>
+            </a:r>
+          </a:p>
+          <a:p>
             <a:pPr marL="0" indent="0">
               <a:buNone/>
             </a:pPr>
             <a:r>
-              <a:rPr lang="en-US" b="1" dirty="0" smtClean="0">
+              <a:rPr lang="en-US" b="1" dirty="0">
                 <a:latin typeface="Calibri Light" panose="020F0302020204030204" pitchFamily="34" charset="0"/>
               </a:rPr>
               <a:t>AngularJS</a:t>
+            </a:r>
+          </a:p>
+          <a:p>
+            <a:r>
+              <a:rPr lang="en-US" dirty="0">
+                <a:latin typeface="Calibri Light" panose="020F0302020204030204" pitchFamily="34" charset="0"/>
+              </a:rPr>
+              <a:t>AngularJS basic knowledge</a:t>
+            </a:r>
+          </a:p>
+          <a:p>
+            <a:pPr marL="0" indent="0">
+              <a:buNone/>
+            </a:pPr>
+            <a:r>
+              <a:rPr lang="en-US" b="1" dirty="0">
+                <a:latin typeface="Calibri Light" panose="020F0302020204030204" pitchFamily="34" charset="0"/>
+              </a:rPr>
+              <a:t>Gulp</a:t>
+            </a:r>
+          </a:p>
+          <a:p>
+            <a:r>
+              <a:rPr lang="en-US" dirty="0">
+                <a:latin typeface="Calibri Light" panose="020F0302020204030204" pitchFamily="34" charset="0"/>
+              </a:rPr>
+              <a:t>Gulp: Introduction </a:t>
+            </a:r>
+          </a:p>
+          <a:p>
+            <a:pPr marL="0" indent="0">
+              <a:buNone/>
+            </a:pPr>
+            <a:r>
+              <a:rPr lang="en-US" b="1" dirty="0" err="1">
+                <a:latin typeface="Calibri Light" panose="020F0302020204030204" pitchFamily="34" charset="0"/>
+              </a:rPr>
+              <a:t>Webpack</a:t>
             </a:r>
             <a:endParaRPr lang="en-US" b="1" dirty="0">
               <a:latin typeface="Calibri Light" panose="020F0302020204030204" pitchFamily="34" charset="0"/>
@@ -10731,57 +10613,13 @@
           </a:p>
           <a:p>
             <a:r>
-              <a:rPr lang="en-US" dirty="0" smtClean="0">
+              <a:rPr lang="en-US" dirty="0" err="1">
                 <a:latin typeface="Calibri Light" panose="020F0302020204030204" pitchFamily="34" charset="0"/>
               </a:rPr>
-              <a:t>AngularJS basic knowledge</a:t>
-            </a:r>
-          </a:p>
-          <a:p>
-            <a:pPr marL="0" indent="0">
-              <a:buNone/>
-            </a:pPr>
-            <a:r>
-              <a:rPr lang="en-US" b="1" dirty="0" smtClean="0">
-                <a:latin typeface="Calibri Light" panose="020F0302020204030204" pitchFamily="34" charset="0"/>
-              </a:rPr>
-              <a:t>Gulp</a:t>
-            </a:r>
-            <a:endParaRPr lang="en-US" b="1" dirty="0">
-              <a:latin typeface="Calibri Light" panose="020F0302020204030204" pitchFamily="34" charset="0"/>
-            </a:endParaRPr>
-          </a:p>
-          <a:p>
-            <a:r>
-              <a:rPr lang="en-US" dirty="0" smtClean="0">
-                <a:latin typeface="Calibri Light" panose="020F0302020204030204" pitchFamily="34" charset="0"/>
-              </a:rPr>
-              <a:t>Gulp: Introduction </a:t>
-            </a:r>
-          </a:p>
-          <a:p>
-            <a:pPr marL="0" indent="0">
-              <a:buNone/>
-            </a:pPr>
-            <a:r>
-              <a:rPr lang="en-US" b="1" dirty="0" err="1" smtClean="0">
-                <a:latin typeface="Calibri Light" panose="020F0302020204030204" pitchFamily="34" charset="0"/>
-              </a:rPr>
               <a:t>Webpack</a:t>
             </a:r>
-            <a:endParaRPr lang="en-US" b="1" dirty="0" smtClean="0">
-              <a:latin typeface="Calibri Light" panose="020F0302020204030204" pitchFamily="34" charset="0"/>
-            </a:endParaRPr>
-          </a:p>
-          <a:p>
-            <a:r>
-              <a:rPr lang="en-US" dirty="0" err="1" smtClean="0">
-                <a:latin typeface="Calibri Light" panose="020F0302020204030204" pitchFamily="34" charset="0"/>
-              </a:rPr>
-              <a:t>Webpack</a:t>
-            </a:r>
-            <a:r>
-              <a:rPr lang="en-US" dirty="0" smtClean="0">
+            <a:r>
+              <a:rPr lang="en-US" dirty="0">
                 <a:latin typeface="Calibri Light" panose="020F0302020204030204" pitchFamily="34" charset="0"/>
               </a:rPr>
               <a:t>: Introduction</a:t>
@@ -10914,7 +10752,7 @@
               <a:buNone/>
             </a:pPr>
             <a:r>
-              <a:rPr lang="en-US" dirty="0" smtClean="0">
+              <a:rPr lang="en-US" dirty="0">
                 <a:latin typeface="Calibri Light" panose="020F0302020204030204" pitchFamily="34" charset="0"/>
               </a:rPr>
               <a:t>Environment Setup</a:t>
@@ -10978,7 +10816,15 @@
                 <a:ea typeface="Courier New" charset="0"/>
                 <a:cs typeface="Courier New" charset="0"/>
               </a:rPr>
-              <a:t> </a:t>
+              <a:t> cd </a:t>
+            </a:r>
+            <a:r>
+              <a:rPr lang="en-US" dirty="0" err="1">
+                <a:latin typeface="Courier New" charset="0"/>
+                <a:ea typeface="Courier New" charset="0"/>
+                <a:cs typeface="Courier New" charset="0"/>
+              </a:rPr>
+              <a:t>Webpack</a:t>
             </a:r>
             <a:r>
               <a:rPr lang="en-US" dirty="0">
@@ -10986,37 +10832,8 @@
                 <a:ea typeface="Courier New" charset="0"/>
                 <a:cs typeface="Courier New" charset="0"/>
               </a:rPr>
-              <a:t>cd</a:t>
-            </a:r>
-            <a:r>
-              <a:rPr lang="en-US" dirty="0">
-                <a:latin typeface="Courier New" charset="0"/>
-                <a:ea typeface="Courier New" charset="0"/>
-                <a:cs typeface="Courier New" charset="0"/>
-              </a:rPr>
-              <a:t> </a:t>
-            </a:r>
-            <a:r>
-              <a:rPr lang="en-US" dirty="0" err="1">
-                <a:latin typeface="Courier New" charset="0"/>
-                <a:ea typeface="Courier New" charset="0"/>
-                <a:cs typeface="Courier New" charset="0"/>
-              </a:rPr>
-              <a:t>Webpack</a:t>
-            </a:r>
-            <a:r>
-              <a:rPr lang="en-US" dirty="0">
-                <a:latin typeface="Courier New" charset="0"/>
-                <a:ea typeface="Courier New" charset="0"/>
-                <a:cs typeface="Courier New" charset="0"/>
-              </a:rPr>
               <a:t>-Revolution</a:t>
             </a:r>
-            <a:endParaRPr lang="en-US" dirty="0" smtClean="0">
-              <a:latin typeface="Courier New" charset="0"/>
-              <a:ea typeface="Courier New" charset="0"/>
-              <a:cs typeface="Courier New" charset="0"/>
-            </a:endParaRPr>
           </a:p>
         </p:txBody>
       </p:sp>
@@ -11069,7 +10886,6 @@
               <a:rPr lang="en-US" dirty="0"/>
               <a:t>3</a:t>
             </a:r>
-            <a:endParaRPr lang="en-US" dirty="0"/>
           </a:p>
         </p:txBody>
       </p:sp>
@@ -11187,7 +11003,6 @@
               <a:rPr lang="en-US" dirty="0"/>
               <a:t>4</a:t>
             </a:r>
-            <a:endParaRPr lang="en-US" dirty="0"/>
           </a:p>
         </p:txBody>
       </p:sp>

--- a/engineering/2017/materials/ppt/demo.pptx
+++ b/engineering/2017/materials/ppt/demo.pptx
@@ -8,7 +8,7 @@
     <p:sldMasterId id="2147483652" r:id="rId7"/>
   </p:sldMasterIdLst>
   <p:notesMasterIdLst>
-    <p:notesMasterId r:id="rId22"/>
+    <p:notesMasterId r:id="rId23"/>
   </p:notesMasterIdLst>
   <p:sldIdLst>
     <p:sldId id="281" r:id="rId8"/>
@@ -23,8 +23,9 @@
     <p:sldId id="398" r:id="rId17"/>
     <p:sldId id="399" r:id="rId18"/>
     <p:sldId id="400" r:id="rId19"/>
-    <p:sldId id="264" r:id="rId20"/>
-    <p:sldId id="265" r:id="rId21"/>
+    <p:sldId id="405" r:id="rId20"/>
+    <p:sldId id="264" r:id="rId21"/>
+    <p:sldId id="265" r:id="rId22"/>
   </p:sldIdLst>
   <p:sldSz cx="12192000" cy="6858000"/>
   <p:notesSz cx="6858000" cy="9144000"/>
@@ -144,6 +145,7 @@
             <p14:sldId id="398"/>
             <p14:sldId id="399"/>
             <p14:sldId id="400"/>
+            <p14:sldId id="405"/>
           </p14:sldIdLst>
         </p14:section>
         <p14:section name="End - FAQ" id="{4609FC15-6DD3-4FCD-B0A4-05C247ADF4C3}">
@@ -255,7 +257,7 @@
             <a:fld id="{97373330-0875-4F54-B846-34A9C5D83194}" type="datetimeFigureOut">
               <a:rPr lang="en-US" smtClean="0"/>
               <a:pPr/>
-              <a:t>2017-08-28</a:t>
+              <a:t>2017-08-30</a:t>
             </a:fld>
             <a:endParaRPr lang="en-US"/>
           </a:p>
@@ -9382,6 +9384,112 @@
           <a:chExt cx="0" cy="0"/>
         </a:xfrm>
       </p:grpSpPr>
+      <p:sp>
+        <p:nvSpPr>
+          <p:cNvPr id="2" name="Text Placeholder 1"/>
+          <p:cNvSpPr>
+            <a:spLocks noGrp="1"/>
+          </p:cNvSpPr>
+          <p:nvPr>
+            <p:ph type="body" sz="quarter" idx="13"/>
+          </p:nvPr>
+        </p:nvSpPr>
+        <p:spPr/>
+        <p:txBody>
+          <a:bodyPr/>
+          <a:lstStyle/>
+          <a:p>
+            <a:r>
+              <a:rPr lang="en-US" dirty="0"/>
+              <a:t>O</a:t>
+            </a:r>
+          </a:p>
+        </p:txBody>
+      </p:sp>
+      <p:sp>
+        <p:nvSpPr>
+          <p:cNvPr id="3" name="Text Placeholder 2"/>
+          <p:cNvSpPr>
+            <a:spLocks noGrp="1"/>
+          </p:cNvSpPr>
+          <p:nvPr>
+            <p:ph type="body" sz="quarter" idx="14"/>
+          </p:nvPr>
+        </p:nvSpPr>
+        <p:spPr/>
+        <p:txBody>
+          <a:bodyPr/>
+          <a:lstStyle/>
+          <a:p>
+            <a:r>
+              <a:rPr lang="en-US" dirty="0"/>
+              <a:t>References</a:t>
+            </a:r>
+          </a:p>
+        </p:txBody>
+      </p:sp>
+      <p:sp>
+        <p:nvSpPr>
+          <p:cNvPr id="4" name="Content Placeholder 3"/>
+          <p:cNvSpPr>
+            <a:spLocks noGrp="1"/>
+          </p:cNvSpPr>
+          <p:nvPr>
+            <p:ph sz="quarter" idx="15"/>
+          </p:nvPr>
+        </p:nvSpPr>
+        <p:spPr/>
+        <p:txBody>
+          <a:bodyPr/>
+          <a:lstStyle/>
+          <a:p>
+            <a:r>
+              <a:rPr lang="en-US" dirty="0"/>
+              <a:t>@angular/cli: bundled webpack build flow</a:t>
+            </a:r>
+          </a:p>
+          <a:p>
+            <a:r>
+              <a:rPr lang="en-US" dirty="0" err="1"/>
+              <a:t>vue</a:t>
+            </a:r>
+            <a:r>
+              <a:rPr lang="en-US" dirty="0"/>
+              <a:t>-webpack-template</a:t>
+            </a:r>
+          </a:p>
+        </p:txBody>
+      </p:sp>
+    </p:spTree>
+    <p:extLst>
+      <p:ext uri="{BB962C8B-B14F-4D97-AF65-F5344CB8AC3E}">
+        <p14:creationId xmlns:p14="http://schemas.microsoft.com/office/powerpoint/2010/main" val="987558513"/>
+      </p:ext>
+    </p:extLst>
+  </p:cSld>
+  <p:clrMapOvr>
+    <a:masterClrMapping/>
+  </p:clrMapOvr>
+</p:sld>
+</file>
+
+<file path=ppt/slides/slide14.xml><?xml version="1.0" encoding="utf-8"?>
+<p:sld xmlns:a="http://schemas.openxmlformats.org/drawingml/2006/main" xmlns:r="http://schemas.openxmlformats.org/officeDocument/2006/relationships" xmlns:p="http://schemas.openxmlformats.org/presentationml/2006/main">
+  <p:cSld>
+    <p:spTree>
+      <p:nvGrpSpPr>
+        <p:cNvPr id="1" name=""/>
+        <p:cNvGrpSpPr/>
+        <p:nvPr/>
+      </p:nvGrpSpPr>
+      <p:grpSpPr>
+        <a:xfrm>
+          <a:off x="0" y="0"/>
+          <a:ext cx="0" cy="0"/>
+          <a:chOff x="0" y="0"/>
+          <a:chExt cx="0" cy="0"/>
+        </a:xfrm>
+      </p:grpSpPr>
     </p:spTree>
   </p:cSld>
   <p:clrMapOvr>
@@ -9390,7 +9498,7 @@
 </p:sld>
 </file>
 
-<file path=ppt/slides/slide14.xml><?xml version="1.0" encoding="utf-8"?>
+<file path=ppt/slides/slide15.xml><?xml version="1.0" encoding="utf-8"?>
 <p:sld xmlns:a="http://schemas.openxmlformats.org/drawingml/2006/main" xmlns:r="http://schemas.openxmlformats.org/officeDocument/2006/relationships" xmlns:p="http://schemas.openxmlformats.org/presentationml/2006/main">
   <p:cSld>
     <p:spTree>
@@ -12491,18 +12599,18 @@
 </file>
 
 <file path=customXml/item1.xml><?xml version="1.0" encoding="utf-8"?>
+<p:properties xmlns:p="http://schemas.microsoft.com/office/2006/metadata/properties" xmlns:xsi="http://www.w3.org/2001/XMLSchema-instance">
+  <documentManagement/>
+</p:properties>
+</file>
+
+<file path=customXml/item2.xml><?xml version="1.0" encoding="utf-8"?>
 <?mso-contentType ?>
 <FormTemplates xmlns="http://schemas.microsoft.com/sharepoint/v3/contenttype/forms">
   <Display>DocumentLibraryForm</Display>
   <Edit>DocumentLibraryForm</Edit>
   <New>DocumentLibraryForm</New>
 </FormTemplates>
-</file>
-
-<file path=customXml/item2.xml><?xml version="1.0" encoding="utf-8"?>
-<p:properties xmlns:p="http://schemas.microsoft.com/office/2006/metadata/properties" xmlns:xsi="http://www.w3.org/2001/XMLSchema-instance">
-  <documentManagement/>
-</p:properties>
 </file>
 
 <file path=customXml/item3.xml><?xml version="1.0" encoding="utf-8"?>
@@ -12555,17 +12663,17 @@
 </file>
 
 <file path=customXml/itemProps1.xml><?xml version="1.0" encoding="utf-8"?>
-<ds:datastoreItem xmlns:ds="http://schemas.openxmlformats.org/officeDocument/2006/customXml" ds:itemID="{AF2462E9-E3C6-4B9B-800D-1AA92DB6FEE6}">
+<ds:datastoreItem xmlns:ds="http://schemas.openxmlformats.org/officeDocument/2006/customXml" ds:itemID="{BC974159-165D-43A7-BAC0-2BE7E1872CAD}">
   <ds:schemaRefs>
-    <ds:schemaRef ds:uri="http://schemas.microsoft.com/sharepoint/v3/contenttype/forms"/>
+    <ds:schemaRef ds:uri="http://schemas.microsoft.com/office/2006/metadata/properties"/>
   </ds:schemaRefs>
 </ds:datastoreItem>
 </file>
 
 <file path=customXml/itemProps2.xml><?xml version="1.0" encoding="utf-8"?>
-<ds:datastoreItem xmlns:ds="http://schemas.openxmlformats.org/officeDocument/2006/customXml" ds:itemID="{BC974159-165D-43A7-BAC0-2BE7E1872CAD}">
+<ds:datastoreItem xmlns:ds="http://schemas.openxmlformats.org/officeDocument/2006/customXml" ds:itemID="{AF2462E9-E3C6-4B9B-800D-1AA92DB6FEE6}">
   <ds:schemaRefs>
-    <ds:schemaRef ds:uri="http://schemas.microsoft.com/office/2006/metadata/properties"/>
+    <ds:schemaRef ds:uri="http://schemas.microsoft.com/sharepoint/v3/contenttype/forms"/>
   </ds:schemaRefs>
 </ds:datastoreItem>
 </file>
